--- a/web/g22/status/Status2.pptx
+++ b/web/g22/status/Status2.pptx
@@ -5,19 +5,18 @@
     <p:sldMasterId id="2147483648" r:id="rId1"/>
   </p:sldMasterIdLst>
   <p:notesMasterIdLst>
-    <p:notesMasterId r:id="rId9"/>
+    <p:notesMasterId r:id="rId8"/>
   </p:notesMasterIdLst>
   <p:handoutMasterIdLst>
-    <p:handoutMasterId r:id="rId10"/>
+    <p:handoutMasterId r:id="rId9"/>
   </p:handoutMasterIdLst>
   <p:sldIdLst>
     <p:sldId id="380" r:id="rId2"/>
     <p:sldId id="387" r:id="rId3"/>
-    <p:sldId id="381" r:id="rId4"/>
-    <p:sldId id="386" r:id="rId5"/>
-    <p:sldId id="385" r:id="rId6"/>
-    <p:sldId id="388" r:id="rId7"/>
-    <p:sldId id="389" r:id="rId8"/>
+    <p:sldId id="392" r:id="rId4"/>
+    <p:sldId id="391" r:id="rId5"/>
+    <p:sldId id="388" r:id="rId6"/>
+    <p:sldId id="389" r:id="rId7"/>
   </p:sldIdLst>
   <p:sldSz cx="9144000" cy="6858000" type="screen4x3"/>
   <p:notesSz cx="7099300" cy="10234613"/>
@@ -153,9 +152,8 @@
           <p14:sldIdLst>
             <p14:sldId id="380"/>
             <p14:sldId id="387"/>
-            <p14:sldId id="381"/>
-            <p14:sldId id="386"/>
-            <p14:sldId id="385"/>
+            <p14:sldId id="392"/>
+            <p14:sldId id="391"/>
             <p14:sldId id="388"/>
             <p14:sldId id="389"/>
           </p14:sldIdLst>
@@ -2014,7 +2012,7 @@
     </p:spTree>
     <p:extLst>
       <p:ext uri="{BB962C8B-B14F-4D97-AF65-F5344CB8AC3E}">
-        <p14:creationId xmlns:p14="http://schemas.microsoft.com/office/powerpoint/2010/main" val="3203405648"/>
+        <p14:creationId xmlns:p14="http://schemas.microsoft.com/office/powerpoint/2010/main" val="850694503"/>
       </p:ext>
     </p:extLst>
   </p:cSld>
@@ -2291,7 +2289,7 @@
     </p:spTree>
     <p:extLst>
       <p:ext uri="{BB962C8B-B14F-4D97-AF65-F5344CB8AC3E}">
-        <p14:creationId xmlns:p14="http://schemas.microsoft.com/office/powerpoint/2010/main" val="1312808354"/>
+        <p14:creationId xmlns:p14="http://schemas.microsoft.com/office/powerpoint/2010/main" val="3510972266"/>
       </p:ext>
     </p:extLst>
   </p:cSld>
@@ -2568,7 +2566,7 @@
     </p:spTree>
     <p:extLst>
       <p:ext uri="{BB962C8B-B14F-4D97-AF65-F5344CB8AC3E}">
-        <p14:creationId xmlns:p14="http://schemas.microsoft.com/office/powerpoint/2010/main" val="1368746002"/>
+        <p14:creationId xmlns:p14="http://schemas.microsoft.com/office/powerpoint/2010/main" val="697531377"/>
       </p:ext>
     </p:extLst>
   </p:cSld>
@@ -2770,283 +2768,6 @@
                 </a:spcBef>
               </a:pPr>
               <a:t>6</a:t>
-            </a:fld>
-            <a:endParaRPr lang="da-DK" altLang="da-DK" sz="1300">
-              <a:solidFill>
-                <a:srgbClr val="CC0000"/>
-              </a:solidFill>
-            </a:endParaRPr>
-          </a:p>
-        </p:txBody>
-      </p:sp>
-      <p:sp>
-        <p:nvSpPr>
-          <p:cNvPr id="22531" name="Rectangle 2"/>
-          <p:cNvSpPr>
-            <a:spLocks noGrp="1" noRot="1" noChangeAspect="1" noChangeArrowheads="1" noTextEdit="1"/>
-          </p:cNvSpPr>
-          <p:nvPr>
-            <p:ph type="sldImg"/>
-          </p:nvPr>
-        </p:nvSpPr>
-        <p:spPr>
-          <a:xfrm>
-            <a:off x="992188" y="768350"/>
-            <a:ext cx="5114925" cy="3836988"/>
-          </a:xfrm>
-          <a:ln/>
-        </p:spPr>
-      </p:sp>
-      <p:sp>
-        <p:nvSpPr>
-          <p:cNvPr id="22532" name="Rectangle 3"/>
-          <p:cNvSpPr>
-            <a:spLocks noGrp="1" noChangeArrowheads="1"/>
-          </p:cNvSpPr>
-          <p:nvPr>
-            <p:ph type="body" idx="1"/>
-          </p:nvPr>
-        </p:nvSpPr>
-        <p:spPr>
-          <a:noFill/>
-          <a:ln/>
-          <a:extLst>
-            <a:ext uri="{909E8E84-426E-40DD-AFC4-6F175D3DCCD1}">
-              <a14:hiddenFill xmlns:a14="http://schemas.microsoft.com/office/drawing/2010/main">
-                <a:solidFill>
-                  <a:srgbClr val="FFFFFF"/>
-                </a:solidFill>
-              </a14:hiddenFill>
-            </a:ext>
-            <a:ext uri="{91240B29-F687-4F45-9708-019B960494DF}">
-              <a14:hiddenLine xmlns:a14="http://schemas.microsoft.com/office/drawing/2010/main" w="9525">
-                <a:solidFill>
-                  <a:srgbClr val="000000"/>
-                </a:solidFill>
-                <a:miter lim="800000"/>
-                <a:headEnd/>
-                <a:tailEnd/>
-              </a14:hiddenLine>
-            </a:ext>
-          </a:extLst>
-        </p:spPr>
-        <p:txBody>
-          <a:bodyPr/>
-          <a:lstStyle/>
-          <a:p>
-            <a:pPr eaLnBrk="1" hangingPunct="1"/>
-            <a:endParaRPr lang="en-US" altLang="da-DK" smtClean="0">
-              <a:latin typeface="Times New Roman" pitchFamily="18" charset="0"/>
-              <a:ea typeface="ＭＳ Ｐゴシック" pitchFamily="34" charset="-128"/>
-            </a:endParaRPr>
-          </a:p>
-        </p:txBody>
-      </p:sp>
-    </p:spTree>
-    <p:extLst>
-      <p:ext uri="{BB962C8B-B14F-4D97-AF65-F5344CB8AC3E}">
-        <p14:creationId xmlns:p14="http://schemas.microsoft.com/office/powerpoint/2010/main" val="697531377"/>
-      </p:ext>
-    </p:extLst>
-  </p:cSld>
-  <p:clrMapOvr>
-    <a:masterClrMapping/>
-  </p:clrMapOvr>
-</p:notes>
-</file>
-
-<file path=ppt/notesSlides/notesSlide7.xml><?xml version="1.0" encoding="utf-8"?>
-<p:notes xmlns:a="http://schemas.openxmlformats.org/drawingml/2006/main" xmlns:r="http://schemas.openxmlformats.org/officeDocument/2006/relationships" xmlns:p="http://schemas.openxmlformats.org/presentationml/2006/main">
-  <p:cSld>
-    <p:spTree>
-      <p:nvGrpSpPr>
-        <p:cNvPr id="1" name=""/>
-        <p:cNvGrpSpPr/>
-        <p:nvPr/>
-      </p:nvGrpSpPr>
-      <p:grpSpPr>
-        <a:xfrm>
-          <a:off x="0" y="0"/>
-          <a:ext cx="0" cy="0"/>
-          <a:chOff x="0" y="0"/>
-          <a:chExt cx="0" cy="0"/>
-        </a:xfrm>
-      </p:grpSpPr>
-      <p:sp>
-        <p:nvSpPr>
-          <p:cNvPr id="22530" name="Rectangle 7"/>
-          <p:cNvSpPr>
-            <a:spLocks noGrp="1" noChangeArrowheads="1"/>
-          </p:cNvSpPr>
-          <p:nvPr>
-            <p:ph type="sldNum" sz="quarter" idx="5"/>
-          </p:nvPr>
-        </p:nvSpPr>
-        <p:spPr>
-          <a:noFill/>
-          <a:ln/>
-          <a:extLst>
-            <a:ext uri="{909E8E84-426E-40DD-AFC4-6F175D3DCCD1}">
-              <a14:hiddenFill xmlns:a14="http://schemas.microsoft.com/office/drawing/2010/main">
-                <a:solidFill>
-                  <a:srgbClr val="FFFFFF"/>
-                </a:solidFill>
-              </a14:hiddenFill>
-            </a:ext>
-            <a:ext uri="{91240B29-F687-4F45-9708-019B960494DF}">
-              <a14:hiddenLine xmlns:a14="http://schemas.microsoft.com/office/drawing/2010/main" w="9525">
-                <a:solidFill>
-                  <a:srgbClr val="000000"/>
-                </a:solidFill>
-                <a:miter lim="800000"/>
-                <a:headEnd/>
-                <a:tailEnd/>
-              </a14:hiddenLine>
-            </a:ext>
-          </a:extLst>
-        </p:spPr>
-        <p:txBody>
-          <a:bodyPr/>
-          <a:lstStyle>
-            <a:lvl1pPr defTabSz="990528" eaLnBrk="0" hangingPunct="0">
-              <a:spcBef>
-                <a:spcPct val="30000"/>
-              </a:spcBef>
-              <a:defRPr sz="1200">
-                <a:solidFill>
-                  <a:schemeClr val="tx1"/>
-                </a:solidFill>
-                <a:latin typeface="Times New Roman" pitchFamily="18" charset="0"/>
-                <a:ea typeface="ＭＳ Ｐゴシック" pitchFamily="34" charset="-128"/>
-              </a:defRPr>
-            </a:lvl1pPr>
-            <a:lvl2pPr marL="742897" indent="-285730" defTabSz="990528" eaLnBrk="0" hangingPunct="0">
-              <a:spcBef>
-                <a:spcPct val="30000"/>
-              </a:spcBef>
-              <a:defRPr sz="1200">
-                <a:solidFill>
-                  <a:schemeClr val="tx1"/>
-                </a:solidFill>
-                <a:latin typeface="Times New Roman" pitchFamily="18" charset="0"/>
-                <a:ea typeface="ＭＳ Ｐゴシック" pitchFamily="34" charset="-128"/>
-              </a:defRPr>
-            </a:lvl2pPr>
-            <a:lvl3pPr marL="1142918" indent="-228584" defTabSz="990528" eaLnBrk="0" hangingPunct="0">
-              <a:spcBef>
-                <a:spcPct val="30000"/>
-              </a:spcBef>
-              <a:defRPr sz="1200">
-                <a:solidFill>
-                  <a:schemeClr val="tx1"/>
-                </a:solidFill>
-                <a:latin typeface="Times New Roman" pitchFamily="18" charset="0"/>
-                <a:ea typeface="ＭＳ Ｐゴシック" pitchFamily="34" charset="-128"/>
-              </a:defRPr>
-            </a:lvl3pPr>
-            <a:lvl4pPr marL="1600085" indent="-228584" defTabSz="990528" eaLnBrk="0" hangingPunct="0">
-              <a:spcBef>
-                <a:spcPct val="30000"/>
-              </a:spcBef>
-              <a:defRPr sz="1200">
-                <a:solidFill>
-                  <a:schemeClr val="tx1"/>
-                </a:solidFill>
-                <a:latin typeface="Times New Roman" pitchFamily="18" charset="0"/>
-                <a:ea typeface="ＭＳ Ｐゴシック" pitchFamily="34" charset="-128"/>
-              </a:defRPr>
-            </a:lvl4pPr>
-            <a:lvl5pPr marL="2057252" indent="-228584" defTabSz="990528" eaLnBrk="0" hangingPunct="0">
-              <a:spcBef>
-                <a:spcPct val="30000"/>
-              </a:spcBef>
-              <a:defRPr sz="1200">
-                <a:solidFill>
-                  <a:schemeClr val="tx1"/>
-                </a:solidFill>
-                <a:latin typeface="Times New Roman" pitchFamily="18" charset="0"/>
-                <a:ea typeface="ＭＳ Ｐゴシック" pitchFamily="34" charset="-128"/>
-              </a:defRPr>
-            </a:lvl5pPr>
-            <a:lvl6pPr marL="2514419" indent="-228584" defTabSz="990528" eaLnBrk="0" fontAlgn="base" hangingPunct="0">
-              <a:spcBef>
-                <a:spcPct val="30000"/>
-              </a:spcBef>
-              <a:spcAft>
-                <a:spcPct val="0"/>
-              </a:spcAft>
-              <a:defRPr sz="1200">
-                <a:solidFill>
-                  <a:schemeClr val="tx1"/>
-                </a:solidFill>
-                <a:latin typeface="Times New Roman" pitchFamily="18" charset="0"/>
-                <a:ea typeface="ＭＳ Ｐゴシック" pitchFamily="34" charset="-128"/>
-              </a:defRPr>
-            </a:lvl6pPr>
-            <a:lvl7pPr marL="2971585" indent="-228584" defTabSz="990528" eaLnBrk="0" fontAlgn="base" hangingPunct="0">
-              <a:spcBef>
-                <a:spcPct val="30000"/>
-              </a:spcBef>
-              <a:spcAft>
-                <a:spcPct val="0"/>
-              </a:spcAft>
-              <a:defRPr sz="1200">
-                <a:solidFill>
-                  <a:schemeClr val="tx1"/>
-                </a:solidFill>
-                <a:latin typeface="Times New Roman" pitchFamily="18" charset="0"/>
-                <a:ea typeface="ＭＳ Ｐゴシック" pitchFamily="34" charset="-128"/>
-              </a:defRPr>
-            </a:lvl7pPr>
-            <a:lvl8pPr marL="3428752" indent="-228584" defTabSz="990528" eaLnBrk="0" fontAlgn="base" hangingPunct="0">
-              <a:spcBef>
-                <a:spcPct val="30000"/>
-              </a:spcBef>
-              <a:spcAft>
-                <a:spcPct val="0"/>
-              </a:spcAft>
-              <a:defRPr sz="1200">
-                <a:solidFill>
-                  <a:schemeClr val="tx1"/>
-                </a:solidFill>
-                <a:latin typeface="Times New Roman" pitchFamily="18" charset="0"/>
-                <a:ea typeface="ＭＳ Ｐゴシック" pitchFamily="34" charset="-128"/>
-              </a:defRPr>
-            </a:lvl8pPr>
-            <a:lvl9pPr marL="3885919" indent="-228584" defTabSz="990528" eaLnBrk="0" fontAlgn="base" hangingPunct="0">
-              <a:spcBef>
-                <a:spcPct val="30000"/>
-              </a:spcBef>
-              <a:spcAft>
-                <a:spcPct val="0"/>
-              </a:spcAft>
-              <a:defRPr sz="1200">
-                <a:solidFill>
-                  <a:schemeClr val="tx1"/>
-                </a:solidFill>
-                <a:latin typeface="Times New Roman" pitchFamily="18" charset="0"/>
-                <a:ea typeface="ＭＳ Ｐゴシック" pitchFamily="34" charset="-128"/>
-              </a:defRPr>
-            </a:lvl9pPr>
-          </a:lstStyle>
-          <a:p>
-            <a:pPr eaLnBrk="1" hangingPunct="1">
-              <a:spcBef>
-                <a:spcPct val="0"/>
-              </a:spcBef>
-            </a:pPr>
-            <a:fld id="{392CB419-FA32-4238-A473-EBED58FF00DE}" type="slidenum">
-              <a:rPr lang="da-DK" altLang="da-DK" sz="1300">
-                <a:solidFill>
-                  <a:srgbClr val="CC0000"/>
-                </a:solidFill>
-              </a:rPr>
-              <a:pPr eaLnBrk="1" hangingPunct="1">
-                <a:spcBef>
-                  <a:spcPct val="0"/>
-                </a:spcBef>
-              </a:pPr>
-              <a:t>7</a:t>
             </a:fld>
             <a:endParaRPr lang="da-DK" altLang="da-DK" sz="1300">
               <a:solidFill>
@@ -4877,8 +4598,8 @@
         </p:nvSpPr>
         <p:spPr bwMode="auto">
           <a:xfrm>
-            <a:off x="480723" y="1124744"/>
-            <a:ext cx="6827581" cy="3096344"/>
+            <a:off x="480723" y="1052736"/>
+            <a:ext cx="8411757" cy="5400600"/>
           </a:xfrm>
           <a:prstGeom prst="rect">
             <a:avLst/>
@@ -5059,8 +4780,13 @@
             </a:pPr>
             <a:r>
               <a:rPr lang="da-DK" sz="1600" dirty="0" smtClean="0"/>
-              <a:t>9.00 Velkomst og diverse indledende info</a:t>
-            </a:r>
+              <a:t>9.00 </a:t>
+            </a:r>
+            <a:r>
+              <a:rPr lang="da-DK" sz="1600" dirty="0"/>
+              <a:t>Siden sidst (vores indtryk, hvordan synes I, at det er gået, spørgsmål)</a:t>
+            </a:r>
+            <a:endParaRPr lang="da-DK" sz="1600" dirty="0" smtClean="0"/>
           </a:p>
           <a:p>
             <a:pPr marL="742950" lvl="1" indent="-285750">
@@ -5081,7 +4807,7 @@
             </a:pPr>
             <a:r>
               <a:rPr lang="da-DK" sz="1600" dirty="0" smtClean="0"/>
-              <a:t>11.00 </a:t>
+              <a:t>11.15 </a:t>
             </a:r>
             <a:r>
               <a:rPr lang="da-DK" sz="1600" dirty="0"/>
@@ -5101,7 +4827,7 @@
             </a:pPr>
             <a:r>
               <a:rPr lang="da-DK" sz="1600" dirty="0" smtClean="0"/>
-              <a:t>12.30 Frokostpause</a:t>
+              <a:t>13.00 Frokostpause</a:t>
             </a:r>
           </a:p>
           <a:p>
@@ -5112,7 +4838,7 @@
             </a:pPr>
             <a:r>
               <a:rPr lang="da-DK" sz="1600" dirty="0" smtClean="0"/>
-              <a:t>13.00 Forelæsning (med en kort pause midtvejs)</a:t>
+              <a:t>13.30 Forelæsning (med en kort pause midtvejs)</a:t>
             </a:r>
           </a:p>
           <a:p>
@@ -5136,6 +4862,34 @@
               <a:rPr lang="da-DK" sz="1600" dirty="0" smtClean="0"/>
               <a:t>17.00 Slut</a:t>
             </a:r>
+            <a:endParaRPr lang="da-DK" sz="1600" dirty="0"/>
+          </a:p>
+          <a:p>
+            <a:pPr marL="285750" indent="-285750">
+              <a:spcBef>
+                <a:spcPts val="1800"/>
+              </a:spcBef>
+            </a:pPr>
+            <a:r>
+              <a:rPr lang="da-DK" sz="1800" dirty="0" smtClean="0"/>
+              <a:t>Jeg </a:t>
+            </a:r>
+            <a:r>
+              <a:rPr lang="da-DK" sz="1800" dirty="0"/>
+              <a:t>forventer at </a:t>
+            </a:r>
+            <a:r>
+              <a:rPr lang="da-DK" sz="1800" dirty="0" smtClean="0"/>
+              <a:t>kommende </a:t>
+            </a:r>
+            <a:r>
+              <a:rPr lang="da-DK" sz="1800" dirty="0"/>
+              <a:t>seminarer kan </a:t>
+            </a:r>
+            <a:r>
+              <a:rPr lang="da-DK" sz="1800" dirty="0" smtClean="0"/>
+              <a:t>afvikles med fysisk fremmøde</a:t>
+            </a:r>
           </a:p>
           <a:p>
             <a:pPr marL="742950" lvl="1" indent="-285750">
@@ -5143,7 +4897,56 @@
                 <a:spcPts val="600"/>
               </a:spcBef>
             </a:pPr>
-            <a:endParaRPr lang="da-DK" sz="1600" dirty="0" smtClean="0"/>
+            <a:r>
+              <a:rPr lang="da-DK" sz="1600" dirty="0"/>
+              <a:t>Det vil stadig være muligt i stedet at deltage via Zoom (hvis dette på forhånd aftales med mig</a:t>
+            </a:r>
+            <a:r>
+              <a:rPr lang="da-DK" sz="1600" dirty="0" smtClean="0"/>
+              <a:t>)</a:t>
+            </a:r>
+            <a:endParaRPr lang="da-DK" sz="1600" dirty="0"/>
+          </a:p>
+          <a:p>
+            <a:pPr marL="285750" indent="-285750">
+              <a:spcBef>
+                <a:spcPts val="1800"/>
+              </a:spcBef>
+            </a:pPr>
+            <a:r>
+              <a:rPr lang="da-DK" sz="1800" dirty="0" smtClean="0"/>
+              <a:t>Er </a:t>
+            </a:r>
+            <a:r>
+              <a:rPr lang="da-DK" sz="1800" dirty="0"/>
+              <a:t>der nogen, der har forslag til ændringer af den måde, som vi kører seminarerne på (forelæsninger og øvelser)?</a:t>
+            </a:r>
+          </a:p>
+          <a:p>
+            <a:pPr marL="742950" lvl="1" indent="-285750">
+              <a:spcBef>
+                <a:spcPts val="600"/>
+              </a:spcBef>
+            </a:pPr>
+            <a:r>
+              <a:rPr lang="da-DK" altLang="da-DK" sz="1600" dirty="0" smtClean="0"/>
+              <a:t>Indhold</a:t>
+            </a:r>
+            <a:r>
+              <a:rPr lang="da-DK" altLang="da-DK" sz="1600" dirty="0"/>
+              <a:t>, hastighed, teknisk afvikling, andet?</a:t>
+            </a:r>
+          </a:p>
+          <a:p>
+            <a:pPr marL="742950" lvl="1" indent="-285750">
+              <a:spcBef>
+                <a:spcPts val="600"/>
+              </a:spcBef>
+            </a:pPr>
+            <a:r>
+              <a:rPr lang="da-DK" sz="1600" dirty="0" smtClean="0"/>
+              <a:t>Ændringsforslag er velkomne</a:t>
+            </a:r>
           </a:p>
           <a:p>
             <a:pPr marL="742950" lvl="1" indent="-285750">
@@ -5401,7 +5204,7 @@
         <p:spPr bwMode="auto">
           <a:xfrm>
             <a:off x="611560" y="1052736"/>
-            <a:ext cx="8352928" cy="5688632"/>
+            <a:ext cx="8352928" cy="5616624"/>
           </a:xfrm>
           <a:prstGeom prst="rect">
             <a:avLst/>
@@ -5577,8 +5380,21 @@
                   <a:srgbClr val="A50021"/>
                 </a:solidFill>
               </a:rPr>
-              <a:t>I Quiz 1 var jeres gennemsnitlige vurdering af pensummets sværhedsgrad 3,00</a:t>
-            </a:r>
+              <a:t>I Quiz 1 var jeres gennemsnitlige vurdering af pensummets sværhedsgrad </a:t>
+            </a:r>
+            <a:r>
+              <a:rPr lang="da-DK" altLang="da-DK" sz="1800" b="1" spc="-80" dirty="0" smtClean="0">
+                <a:solidFill>
+                  <a:srgbClr val="A50021"/>
+                </a:solidFill>
+              </a:rPr>
+              <a:t>3,08</a:t>
+            </a:r>
+            <a:endParaRPr lang="da-DK" altLang="da-DK" sz="1800" b="1" spc="-80" dirty="0" smtClean="0">
+              <a:solidFill>
+                <a:srgbClr val="A50021"/>
+              </a:solidFill>
+            </a:endParaRPr>
           </a:p>
           <a:p>
             <a:pPr marL="742950" lvl="1" indent="-285750">
@@ -5600,19 +5416,11 @@
             </a:r>
             <a:r>
               <a:rPr lang="da-DK" altLang="da-DK" sz="1600" dirty="0" smtClean="0"/>
-              <a:t>middel – hvilket må siges at være særdeles passende</a:t>
-            </a:r>
-            <a:endParaRPr lang="da-DK" altLang="da-DK" sz="1600" dirty="0"/>
-          </a:p>
-          <a:p>
-            <a:pPr marL="742950" lvl="1" indent="-285750">
-              <a:spcBef>
-                <a:spcPts val="600"/>
-              </a:spcBef>
-            </a:pPr>
+              <a:t>(en anelse over) middel </a:t>
+            </a:r>
             <a:r>
               <a:rPr lang="da-DK" altLang="da-DK" sz="1600" dirty="0" smtClean="0"/>
-              <a:t>Til sammenligning havde de studerende på efterårskurset et gennemsnit på 2,82 (en anelse under middel)</a:t>
+              <a:t>– hvilket må siges at være særdeles passende</a:t>
             </a:r>
             <a:endParaRPr lang="da-DK" altLang="da-DK" sz="1600" dirty="0"/>
           </a:p>
@@ -5643,8 +5451,26 @@
             </a:pPr>
             <a:r>
               <a:rPr lang="da-DK" altLang="da-DK" sz="1600" dirty="0" smtClean="0"/>
-              <a:t>Alle blev godkendt i første forsøg (ingen genafleveringer)</a:t>
-            </a:r>
+              <a:t>Alle blev godkendt i første forsøg (ingen genafleveringer</a:t>
+            </a:r>
+            <a:r>
+              <a:rPr lang="da-DK" altLang="da-DK" sz="1600" dirty="0" smtClean="0"/>
+              <a:t>)</a:t>
+            </a:r>
+          </a:p>
+          <a:p>
+            <a:pPr marL="742950" lvl="1" indent="-285750">
+              <a:spcBef>
+                <a:spcPts val="600"/>
+              </a:spcBef>
+              <a:buFontTx/>
+              <a:buChar char="–"/>
+            </a:pPr>
+            <a:r>
+              <a:rPr lang="da-DK" altLang="da-DK" sz="1600" dirty="0" smtClean="0"/>
+              <a:t>Der er dog en enkelt, der mangler at aflevere</a:t>
+            </a:r>
+            <a:endParaRPr lang="da-DK" altLang="da-DK" sz="1600" dirty="0" smtClean="0"/>
           </a:p>
           <a:p>
             <a:pPr marL="271463" lvl="1" indent="-271463">
@@ -5668,8 +5494,21 @@
                   <a:srgbClr val="A50021"/>
                 </a:solidFill>
               </a:rPr>
-              <a:t>har klaret Quiz 1 en anelse bedre end de studerende i efteråret</a:t>
-            </a:r>
+              <a:t>har klaret Quiz 1 </a:t>
+            </a:r>
+            <a:r>
+              <a:rPr lang="da-DK" altLang="da-DK" sz="1800" b="1" spc="-40" dirty="0" smtClean="0">
+                <a:solidFill>
+                  <a:srgbClr val="A50021"/>
+                </a:solidFill>
+              </a:rPr>
+              <a:t>flot</a:t>
+            </a:r>
+            <a:endParaRPr lang="da-DK" altLang="da-DK" sz="1800" b="1" spc="-40" dirty="0">
+              <a:solidFill>
+                <a:srgbClr val="A50021"/>
+              </a:solidFill>
+            </a:endParaRPr>
           </a:p>
           <a:p>
             <a:pPr marL="742950" lvl="1" indent="-285750">
@@ -5681,7 +5520,7 @@
             </a:pPr>
             <a:r>
               <a:rPr lang="da-DK" altLang="da-DK" sz="1600" dirty="0" smtClean="0"/>
-              <a:t>I brugte 1,64 forsøg pr spørgsmål (mod 1,69 i efteråret)</a:t>
+              <a:t>I brugte 1,62 forsøg pr spørgsmål (mod 1,64 i foråret 2021)</a:t>
             </a:r>
           </a:p>
           <a:p>
@@ -5694,7 +5533,11 @@
             </a:pPr>
             <a:r>
               <a:rPr lang="da-DK" altLang="da-DK" sz="1600" dirty="0" smtClean="0"/>
-              <a:t>På trods af, at man i spørgsmål 6 også skulle afkrydse studieteknikopgaverne – som ikke er med på jeres kursus (hvilket for mange af jer kostede et ekstra forsøg)</a:t>
+              <a:t>I </a:t>
+            </a:r>
+            <a:r>
+              <a:rPr lang="da-DK" altLang="da-DK" sz="1600" dirty="0" smtClean="0"/>
+              <a:t>havde dog lidt svært ved spørgsmål 9, 11, 15 og 16 (hvilket er helt normalt)</a:t>
             </a:r>
           </a:p>
           <a:p>
@@ -5707,7 +5550,24 @@
             </a:pPr>
             <a:r>
               <a:rPr lang="da-DK" altLang="da-DK" sz="1600" dirty="0" smtClean="0"/>
-              <a:t>Udover spørgsmål 6, havde I lidt svært ved spørgsmål 9, 11, 13, 15 og 16</a:t>
+              <a:t>Så dem vil vi lige tage et hurtigt kig på</a:t>
+            </a:r>
+          </a:p>
+          <a:p>
+            <a:pPr marL="271463" lvl="1" indent="-271463">
+              <a:spcBef>
+                <a:spcPts val="1800"/>
+              </a:spcBef>
+              <a:buFontTx/>
+              <a:buChar char="•"/>
+            </a:pPr>
+            <a:r>
+              <a:rPr lang="da-DK" altLang="da-DK" sz="1800" b="1" spc="-40" dirty="0">
+                <a:solidFill>
+                  <a:srgbClr val="A50021"/>
+                </a:solidFill>
+              </a:rPr>
+              <a:t>Opdatering af testserver</a:t>
             </a:r>
           </a:p>
           <a:p>
@@ -5715,21 +5575,73 @@
               <a:spcBef>
                 <a:spcPts val="600"/>
               </a:spcBef>
-              <a:buFontTx/>
-              <a:buChar char="–"/>
             </a:pPr>
             <a:r>
-              <a:rPr lang="da-DK" altLang="da-DK" sz="1600" dirty="0" smtClean="0"/>
-              <a:t>Så dem vil vi lige tage et hurtigt kig på</a:t>
-            </a:r>
-          </a:p>
-          <a:p>
-            <a:pPr lvl="1">
+              <a:rPr lang="da-DK" sz="1600" dirty="0"/>
+              <a:t>Når I går i gang med </a:t>
+            </a:r>
+            <a:r>
+              <a:rPr lang="da-DK" sz="1600" b="1" i="1" dirty="0"/>
+              <a:t>Raflebæger 2</a:t>
+            </a:r>
+            <a:r>
+              <a:rPr lang="da-DK" sz="1600" dirty="0"/>
+              <a:t>, skal I downloade en ny version af filen TestServer.java </a:t>
+            </a:r>
+            <a:r>
+              <a:rPr lang="da-DK" sz="1600" dirty="0">
+                <a:hlinkClick r:id="rId3"/>
+              </a:rPr>
+              <a:t>herfra</a:t>
+            </a:r>
+            <a:r>
+              <a:rPr lang="da-DK" sz="1600" dirty="0"/>
+              <a:t>. Den kopieres ind i jeres BlueJ projekt, hvor den erstatter filen med samme </a:t>
+            </a:r>
+            <a:r>
+              <a:rPr lang="da-DK" sz="1600" dirty="0" smtClean="0"/>
+              <a:t>navn</a:t>
+            </a:r>
+            <a:endParaRPr lang="da-DK" sz="1600" dirty="0"/>
+          </a:p>
+          <a:p>
+            <a:pPr marL="742950" lvl="1" indent="-285750">
               <a:spcBef>
                 <a:spcPts val="600"/>
               </a:spcBef>
-              <a:buNone/>
             </a:pPr>
+            <a:r>
+              <a:rPr lang="da-DK" sz="1600" dirty="0"/>
+              <a:t>Hvis I allerede har downloadet </a:t>
+            </a:r>
+            <a:r>
+              <a:rPr lang="da-DK" sz="1600" b="1" i="1" dirty="0"/>
+              <a:t>Skildpadde 1</a:t>
+            </a:r>
+            <a:r>
+              <a:rPr lang="da-DK" sz="1600" dirty="0"/>
+              <a:t>, skal I kopiere samme fil ind i dette BlueJ projekt. For </a:t>
+            </a:r>
+            <a:r>
+              <a:rPr lang="da-DK" sz="1600" dirty="0" err="1"/>
+              <a:t>downloads</a:t>
+            </a:r>
+            <a:r>
+              <a:rPr lang="da-DK" sz="1600" dirty="0"/>
+              <a:t> fra og med den </a:t>
+            </a:r>
+            <a:r>
+              <a:rPr lang="da-DK" sz="1600" dirty="0" smtClean="0"/>
+              <a:t>19. </a:t>
+            </a:r>
+            <a:r>
+              <a:rPr lang="da-DK" sz="1600" dirty="0"/>
+              <a:t>januar er dette ikke </a:t>
+            </a:r>
+            <a:r>
+              <a:rPr lang="da-DK" sz="1600" dirty="0" smtClean="0"/>
+              <a:t>nødvendigt</a:t>
+            </a:r>
             <a:endParaRPr lang="da-DK" altLang="da-DK" sz="1600" spc="-50" dirty="0" smtClean="0"/>
           </a:p>
           <a:p>
@@ -5792,7 +5704,7 @@
         <p:spPr bwMode="auto">
           <a:xfrm>
             <a:off x="459225" y="260349"/>
-            <a:ext cx="8793295" cy="682625"/>
+            <a:ext cx="8649279" cy="682625"/>
           </a:xfrm>
           <a:prstGeom prst="rect">
             <a:avLst/>
@@ -5982,7 +5894,7 @@
         <p:spPr bwMode="auto">
           <a:xfrm>
             <a:off x="611560" y="1052736"/>
-            <a:ext cx="8352928" cy="3672408"/>
+            <a:ext cx="8352928" cy="4608512"/>
           </a:xfrm>
           <a:prstGeom prst="rect">
             <a:avLst/>
@@ -6158,7 +6070,7 @@
                   <a:srgbClr val="A50021"/>
                 </a:solidFill>
               </a:rPr>
-              <a:t>Om et øjeblik begynder jeg på dagens første forelæsning</a:t>
+              <a:t>Om et øjeblik begynder jeg på den første forelæsning</a:t>
             </a:r>
           </a:p>
           <a:p>
@@ -6171,7 +6083,18 @@
             </a:pPr>
             <a:r>
               <a:rPr lang="da-DK" altLang="da-DK" sz="1600" dirty="0" smtClean="0"/>
-              <a:t>Alle forelæsninger optages via Zoom og publiceres på kursets Blackboard side, således at I senere kan gense dem, hvis der er behov for det</a:t>
+              <a:t>Alle forelæsninger optages via Zoom og publiceres på kursets Brightspace side, således at I senere kan gense dem, hvis der er behov for det</a:t>
+            </a:r>
+          </a:p>
+          <a:p>
+            <a:pPr marL="742950" lvl="1" indent="-285750">
+              <a:spcBef>
+                <a:spcPts val="600"/>
+              </a:spcBef>
+            </a:pPr>
+            <a:r>
+              <a:rPr lang="da-DK" altLang="da-DK" sz="1600" dirty="0"/>
+              <a:t>Jeg foreslår, at I slår jeres video og lyd fra under forelæsningen</a:t>
             </a:r>
           </a:p>
           <a:p>
@@ -6184,7 +6107,31 @@
             </a:pPr>
             <a:r>
               <a:rPr lang="da-DK" altLang="da-DK" sz="1600" dirty="0" smtClean="0"/>
-              <a:t>Slå jeres video og audio fra under forelæsningen (for at mindske belastningen på min maskine)</a:t>
+              <a:t>Under forelæsningen </a:t>
+            </a:r>
+            <a:r>
+              <a:rPr lang="da-DK" altLang="da-DK" sz="1600" dirty="0" smtClean="0"/>
+              <a:t>læser jeg </a:t>
+            </a:r>
+            <a:r>
+              <a:rPr lang="da-DK" altLang="da-DK" sz="1600" b="1" dirty="0" smtClean="0">
+                <a:solidFill>
+                  <a:srgbClr val="008000"/>
+                </a:solidFill>
+              </a:rPr>
+              <a:t>ikke</a:t>
+            </a:r>
+            <a:r>
+              <a:rPr lang="da-DK" altLang="da-DK" sz="1600" dirty="0" smtClean="0"/>
+              <a:t> </a:t>
+            </a:r>
+            <a:r>
+              <a:rPr lang="da-DK" altLang="da-DK" sz="1600" dirty="0" smtClean="0"/>
+              <a:t>eventuelle </a:t>
+            </a:r>
+            <a:r>
+              <a:rPr lang="da-DK" altLang="da-DK" sz="1600" dirty="0" smtClean="0"/>
+              <a:t>indlæg på chatten i Zoom (men I må meget gerne kommunikere med hinanden på den)</a:t>
             </a:r>
           </a:p>
           <a:p>
@@ -6196,12 +6143,20 @@
               <a:buChar char="•"/>
             </a:pPr>
             <a:r>
+              <a:rPr lang="da-DK" altLang="da-DK" sz="1800" b="1" spc="-80" dirty="0" smtClean="0">
+                <a:solidFill>
+                  <a:srgbClr val="A50021"/>
+                </a:solidFill>
+              </a:rPr>
+              <a:t>Hvis </a:t>
+            </a:r>
+            <a:r>
               <a:rPr lang="da-DK" altLang="da-DK" sz="1800" b="1" spc="-80" dirty="0">
                 <a:solidFill>
                   <a:srgbClr val="A50021"/>
                 </a:solidFill>
               </a:rPr>
-              <a:t>Hvis I har </a:t>
+              <a:t>I har </a:t>
             </a:r>
             <a:r>
               <a:rPr lang="da-DK" altLang="da-DK" sz="1800" b="1" spc="-80" dirty="0" smtClean="0">
@@ -6236,42 +6191,35 @@
               <a:spcBef>
                 <a:spcPts val="600"/>
               </a:spcBef>
+              <a:buFontTx/>
+              <a:buChar char="–"/>
             </a:pPr>
             <a:r>
-              <a:rPr lang="da-DK" altLang="da-DK" sz="1600" dirty="0"/>
+              <a:rPr lang="da-DK" altLang="da-DK" sz="1600" dirty="0" smtClean="0"/>
               <a:t>Jeg vil også forsøge at huske (med jævne mellemrum) at spørge, om der er nogle, som har spørgsmål</a:t>
             </a:r>
           </a:p>
           <a:p>
-            <a:pPr marL="742950" lvl="1" indent="-285750">
-              <a:spcBef>
-                <a:spcPts val="600"/>
-              </a:spcBef>
+            <a:pPr marL="271463" lvl="1" indent="-271463">
+              <a:spcBef>
+                <a:spcPts val="1800"/>
+              </a:spcBef>
+              <a:buFontTx/>
+              <a:buChar char="•"/>
             </a:pPr>
             <a:r>
-              <a:rPr lang="da-DK" altLang="da-DK" sz="1600" spc="-40" dirty="0" smtClean="0"/>
-              <a:t>Under </a:t>
-            </a:r>
-            <a:r>
-              <a:rPr lang="da-DK" altLang="da-DK" sz="1600" spc="-40" dirty="0"/>
-              <a:t>forelæsningen kan I </a:t>
-            </a:r>
-            <a:r>
-              <a:rPr lang="da-DK" altLang="da-DK" sz="1600" b="1" spc="-40" dirty="0">
-                <a:solidFill>
-                  <a:srgbClr val="008000"/>
+              <a:rPr lang="da-DK" altLang="da-DK" sz="1800" b="1" spc="-40" dirty="0" smtClean="0">
+                <a:solidFill>
+                  <a:srgbClr val="A50021"/>
                 </a:solidFill>
               </a:rPr>
-              <a:t>ikke</a:t>
-            </a:r>
-            <a:r>
-              <a:rPr lang="da-DK" altLang="da-DK" sz="1600" spc="-40" dirty="0"/>
-              <a:t> forvente, at jeg læser eventuelle indlæg på </a:t>
-            </a:r>
-            <a:r>
-              <a:rPr lang="da-DK" altLang="da-DK" sz="1600" spc="-40" dirty="0" smtClean="0"/>
-              <a:t>chatten</a:t>
-            </a:r>
+              <a:t>Er der nogen spørgsmål før vi går i gang?</a:t>
+            </a:r>
+            <a:endParaRPr lang="da-DK" altLang="da-DK" sz="1800" b="1" spc="-40" dirty="0">
+              <a:solidFill>
+                <a:srgbClr val="A50021"/>
+              </a:solidFill>
+            </a:endParaRPr>
           </a:p>
         </p:txBody>
       </p:sp>
@@ -6283,7 +6231,7 @@
         </p:nvSpPr>
         <p:spPr>
           <a:xfrm rot="21165640">
-            <a:off x="3215809" y="4951859"/>
+            <a:off x="4901262" y="5289770"/>
             <a:ext cx="3280124" cy="523220"/>
           </a:xfrm>
           <a:prstGeom prst="rect">
@@ -6354,7 +6302,7 @@
         </p:nvSpPr>
         <p:spPr>
           <a:xfrm rot="21165640">
-            <a:off x="3295749" y="5577803"/>
+            <a:off x="5023941" y="5865835"/>
             <a:ext cx="3280124" cy="523220"/>
           </a:xfrm>
           <a:prstGeom prst="rect">
@@ -6420,7 +6368,7 @@
     </p:spTree>
     <p:extLst>
       <p:ext uri="{BB962C8B-B14F-4D97-AF65-F5344CB8AC3E}">
-        <p14:creationId xmlns:p14="http://schemas.microsoft.com/office/powerpoint/2010/main" val="3832648587"/>
+        <p14:creationId xmlns:p14="http://schemas.microsoft.com/office/powerpoint/2010/main" val="2749738038"/>
       </p:ext>
     </p:extLst>
   </p:cSld>
@@ -6921,117 +6869,12 @@
               <a:buChar char="•"/>
             </a:pPr>
             <a:r>
-              <a:rPr lang="da-DK" altLang="da-DK" sz="1800" b="1" spc="-40" dirty="0" smtClean="0">
+              <a:rPr lang="da-DK" altLang="da-DK" sz="1800" b="1" spc="-80" dirty="0" smtClean="0">
                 <a:solidFill>
                   <a:srgbClr val="A50021"/>
                 </a:solidFill>
               </a:rPr>
-              <a:t>Som sidst bruger vi de såkaldte “</a:t>
-            </a:r>
-            <a:r>
-              <a:rPr lang="da-DK" altLang="da-DK" sz="1800" b="1" spc="-40" dirty="0" err="1" smtClean="0">
-                <a:solidFill>
-                  <a:srgbClr val="A50021"/>
-                </a:solidFill>
-              </a:rPr>
-              <a:t>breakout</a:t>
-            </a:r>
-            <a:r>
-              <a:rPr lang="da-DK" altLang="da-DK" sz="1800" b="1" spc="-40" dirty="0" smtClean="0">
-                <a:solidFill>
-                  <a:srgbClr val="A50021"/>
-                </a:solidFill>
-              </a:rPr>
-              <a:t> </a:t>
-            </a:r>
-            <a:r>
-              <a:rPr lang="da-DK" altLang="da-DK" sz="1800" b="1" spc="-40" dirty="0" err="1" smtClean="0">
-                <a:solidFill>
-                  <a:srgbClr val="A50021"/>
-                </a:solidFill>
-              </a:rPr>
-              <a:t>rooms</a:t>
-            </a:r>
-            <a:r>
-              <a:rPr lang="da-DK" altLang="da-DK" sz="1800" b="1" spc="-40" dirty="0" smtClean="0">
-                <a:solidFill>
-                  <a:srgbClr val="A50021"/>
-                </a:solidFill>
-              </a:rPr>
-              <a:t>”</a:t>
-            </a:r>
-          </a:p>
-          <a:p>
-            <a:pPr marL="742950" lvl="1" indent="-285750">
-              <a:spcBef>
-                <a:spcPts val="600"/>
-              </a:spcBef>
-            </a:pPr>
-            <a:r>
-              <a:rPr lang="da-DK" altLang="da-DK" sz="1600" dirty="0" smtClean="0"/>
-              <a:t>I skal gå ind i det rum, der har samme nummer som jeres programmeringspar</a:t>
-            </a:r>
-            <a:r>
-              <a:rPr lang="da-DK" altLang="da-DK" sz="1600" dirty="0"/>
-              <a:t> </a:t>
-            </a:r>
-            <a:r>
-              <a:rPr lang="da-DK" altLang="da-DK" sz="1600" dirty="0" smtClean="0"/>
-              <a:t>(tryk på “</a:t>
-            </a:r>
-            <a:r>
-              <a:rPr lang="da-DK" altLang="da-DK" sz="1600" dirty="0" err="1" smtClean="0"/>
-              <a:t>Breakout</a:t>
-            </a:r>
-            <a:r>
-              <a:rPr lang="da-DK" altLang="da-DK" sz="1600" dirty="0" smtClean="0"/>
-              <a:t> </a:t>
-            </a:r>
-            <a:r>
-              <a:rPr lang="da-DK" altLang="da-DK" sz="1600" dirty="0" err="1" smtClean="0"/>
-              <a:t>Rooms</a:t>
-            </a:r>
-            <a:r>
-              <a:rPr lang="da-DK" altLang="da-DK" sz="1600" dirty="0" smtClean="0"/>
-              <a:t>” nederst i Zoom vinduet og derpå på “</a:t>
-            </a:r>
-            <a:r>
-              <a:rPr lang="da-DK" altLang="da-DK" sz="1600" dirty="0" err="1" smtClean="0"/>
-              <a:t>Join</a:t>
-            </a:r>
-            <a:r>
-              <a:rPr lang="da-DK" altLang="da-DK" sz="1600" dirty="0" smtClean="0"/>
-              <a:t>” ud for det rum, som I vil gå ind i)</a:t>
-            </a:r>
-          </a:p>
-          <a:p>
-            <a:pPr marL="742950" lvl="1" indent="-285750">
-              <a:spcBef>
-                <a:spcPts val="600"/>
-              </a:spcBef>
-            </a:pPr>
-            <a:r>
-              <a:rPr lang="da-DK" altLang="da-DK" sz="1600" dirty="0" smtClean="0"/>
-              <a:t>Hvis I er alene, skal I også gå ind i jeres rum (så instruktoren kan “finde” jer der)</a:t>
-            </a:r>
-          </a:p>
-          <a:p>
-            <a:pPr marL="742950" lvl="1" indent="-285750">
-              <a:spcBef>
-                <a:spcPts val="600"/>
-              </a:spcBef>
-            </a:pPr>
-            <a:r>
-              <a:rPr lang="da-DK" altLang="da-DK" sz="1600" dirty="0" smtClean="0"/>
-              <a:t>Der er også et rum, der hedder ”</a:t>
-            </a:r>
-            <a:r>
-              <a:rPr lang="da-DK" altLang="da-DK" sz="1600" dirty="0" err="1" smtClean="0"/>
-              <a:t>Staff</a:t>
-            </a:r>
-            <a:r>
-              <a:rPr lang="da-DK" altLang="da-DK" sz="1600" dirty="0" smtClean="0"/>
-              <a:t>” (det er til brug for instruktorerne og mig)</a:t>
+              <a:t>Formiddagens øvelser vil koncentrere sig om afleveringsopgaven Raflebæger 2</a:t>
             </a:r>
           </a:p>
           <a:p>
@@ -7048,25 +6891,78 @@
                   <a:srgbClr val="A50021"/>
                 </a:solidFill>
               </a:rPr>
-              <a:t>Inde i </a:t>
-            </a:r>
-            <a:r>
-              <a:rPr lang="da-DK" altLang="da-DK" sz="1800" b="1" spc="-40" dirty="0" err="1" smtClean="0">
+              <a:t>Om </a:t>
+            </a:r>
+            <a:r>
+              <a:rPr lang="da-DK" altLang="da-DK" sz="1800" b="1" spc="-40" dirty="0">
                 <a:solidFill>
                   <a:srgbClr val="A50021"/>
                 </a:solidFill>
               </a:rPr>
+              <a:t>lidt åbner jeg i Zoom for et antal såkaldte “breakout </a:t>
+            </a:r>
+            <a:r>
+              <a:rPr lang="da-DK" altLang="da-DK" sz="1800" b="1" spc="-40" dirty="0" err="1">
+                <a:solidFill>
+                  <a:srgbClr val="A50021"/>
+                </a:solidFill>
+              </a:rPr>
+              <a:t>rooms</a:t>
+            </a:r>
+            <a:r>
+              <a:rPr lang="da-DK" altLang="da-DK" sz="1800" b="1" spc="-40" dirty="0">
+                <a:solidFill>
+                  <a:srgbClr val="A50021"/>
+                </a:solidFill>
+              </a:rPr>
+              <a:t>”</a:t>
+            </a:r>
+          </a:p>
+          <a:p>
+            <a:pPr marL="742950" lvl="1" indent="-285750">
+              <a:spcBef>
+                <a:spcPts val="600"/>
+              </a:spcBef>
+            </a:pPr>
+            <a:r>
+              <a:rPr lang="da-DK" altLang="da-DK" sz="1600" spc="-30" dirty="0" smtClean="0"/>
+              <a:t>I skal så hver især gå ind i det rum, der svarer til jeres par</a:t>
+            </a:r>
+          </a:p>
+          <a:p>
+            <a:pPr marL="742950" lvl="1" indent="-285750">
+              <a:spcBef>
+                <a:spcPts val="600"/>
+              </a:spcBef>
+            </a:pPr>
+            <a:r>
+              <a:rPr lang="da-DK" altLang="da-DK" sz="1600" dirty="0" smtClean="0"/>
+              <a:t>Det gør I ved først at trykke på “</a:t>
+            </a:r>
+            <a:r>
+              <a:rPr lang="da-DK" altLang="da-DK" sz="1600" dirty="0" err="1" smtClean="0"/>
               <a:t>Breakout</a:t>
             </a:r>
             <a:r>
-              <a:rPr lang="da-DK" altLang="da-DK" sz="1800" b="1" spc="-40" dirty="0" smtClean="0">
-                <a:solidFill>
-                  <a:srgbClr val="A50021"/>
-                </a:solidFill>
-              </a:rPr>
-              <a:t> rummet kan I kun kommunikere med dem, der er i rummet (ingen andre kan se/høre jer)</a:t>
-            </a:r>
-            <a:endParaRPr lang="da-DK" altLang="da-DK" sz="1600" dirty="0" smtClean="0"/>
+              <a:rPr lang="da-DK" altLang="da-DK" sz="1600" dirty="0" smtClean="0"/>
+              <a:t> </a:t>
+            </a:r>
+            <a:r>
+              <a:rPr lang="da-DK" altLang="da-DK" sz="1600" dirty="0" err="1" smtClean="0"/>
+              <a:t>Rooms</a:t>
+            </a:r>
+            <a:r>
+              <a:rPr lang="da-DK" altLang="da-DK" sz="1600" dirty="0" smtClean="0"/>
+              <a:t>” nederst i Zoom vinduet og derpå på “</a:t>
+            </a:r>
+            <a:r>
+              <a:rPr lang="da-DK" altLang="da-DK" sz="1600" dirty="0" err="1" smtClean="0"/>
+              <a:t>Join</a:t>
+            </a:r>
+            <a:r>
+              <a:rPr lang="da-DK" altLang="da-DK" sz="1600" dirty="0" smtClean="0"/>
+              <a:t>” ud for det rum, som I vil gå ind i</a:t>
+            </a:r>
           </a:p>
           <a:p>
             <a:pPr marL="742950" lvl="1" indent="-285750">
@@ -7076,233 +6972,9 @@
             </a:pPr>
             <a:r>
               <a:rPr lang="da-DK" altLang="da-DK" sz="1600" dirty="0" smtClean="0"/>
-              <a:t>I tilkalder hjælp ved at bruge </a:t>
-            </a:r>
-            <a:r>
-              <a:rPr lang="da-DK" altLang="da-DK" sz="1600" spc="-40" dirty="0" smtClean="0"/>
-              <a:t>linket “</a:t>
-            </a:r>
-            <a:r>
-              <a:rPr lang="da-DK" altLang="da-DK" sz="1600" b="1" spc="-40" dirty="0" smtClean="0"/>
-              <a:t>Tilkald hjælp</a:t>
-            </a:r>
-            <a:r>
-              <a:rPr lang="da-DK" altLang="da-DK" sz="1600" spc="-40" dirty="0" smtClean="0"/>
-              <a:t>” øverst på siden ”Program for seminarer” og skrive i det delte Google Docs dokument, der så dukker op</a:t>
-            </a:r>
-          </a:p>
-        </p:txBody>
-      </p:sp>
-    </p:spTree>
-    <p:extLst>
-      <p:ext uri="{BB962C8B-B14F-4D97-AF65-F5344CB8AC3E}">
-        <p14:creationId xmlns:p14="http://schemas.microsoft.com/office/powerpoint/2010/main" val="3094025146"/>
-      </p:ext>
-    </p:extLst>
-  </p:cSld>
-  <p:clrMapOvr>
-    <a:masterClrMapping/>
-  </p:clrMapOvr>
-  <p:timing>
-    <p:tnLst>
-      <p:par>
-        <p:cTn id="1" dur="indefinite" restart="never" nodeType="tmRoot"/>
-      </p:par>
-    </p:tnLst>
-  </p:timing>
-</p:sld>
-</file>
-
-<file path=ppt/slides/slide5.xml><?xml version="1.0" encoding="utf-8"?>
-<p:sld xmlns:a="http://schemas.openxmlformats.org/drawingml/2006/main" xmlns:r="http://schemas.openxmlformats.org/officeDocument/2006/relationships" xmlns:p="http://schemas.openxmlformats.org/presentationml/2006/main">
-  <p:cSld>
-    <p:spTree>
-      <p:nvGrpSpPr>
-        <p:cNvPr id="1" name=""/>
-        <p:cNvGrpSpPr/>
-        <p:nvPr/>
-      </p:nvGrpSpPr>
-      <p:grpSpPr>
-        <a:xfrm>
-          <a:off x="0" y="0"/>
-          <a:ext cx="0" cy="0"/>
-          <a:chOff x="0" y="0"/>
-          <a:chExt cx="0" cy="0"/>
-        </a:xfrm>
-      </p:grpSpPr>
-      <p:sp>
-        <p:nvSpPr>
-          <p:cNvPr id="5" name="Content Placeholder 2"/>
-          <p:cNvSpPr txBox="1">
-            <a:spLocks/>
-          </p:cNvSpPr>
-          <p:nvPr/>
-        </p:nvSpPr>
-        <p:spPr bwMode="auto">
-          <a:xfrm>
-            <a:off x="539552" y="1052736"/>
-            <a:ext cx="8352928" cy="3888432"/>
-          </a:xfrm>
-          <a:prstGeom prst="rect">
-            <a:avLst/>
-          </a:prstGeom>
-          <a:noFill/>
-          <a:ln>
-            <a:noFill/>
-          </a:ln>
-          <a:extLst>
-            <a:ext uri="{909E8E84-426E-40DD-AFC4-6F175D3DCCD1}">
-              <a14:hiddenFill xmlns:a14="http://schemas.microsoft.com/office/drawing/2010/main">
-                <a:solidFill>
-                  <a:srgbClr val="FFFFFF"/>
-                </a:solidFill>
-              </a14:hiddenFill>
-            </a:ext>
-            <a:ext uri="{91240B29-F687-4F45-9708-019B960494DF}">
-              <a14:hiddenLine xmlns:a14="http://schemas.microsoft.com/office/drawing/2010/main" w="9525">
-                <a:solidFill>
-                  <a:srgbClr val="000000"/>
-                </a:solidFill>
-                <a:miter lim="800000"/>
-                <a:headEnd/>
-                <a:tailEnd/>
-              </a14:hiddenLine>
-            </a:ext>
-          </a:extLst>
-        </p:spPr>
-        <p:txBody>
-          <a:bodyPr/>
-          <a:lstStyle>
-            <a:lvl1pPr eaLnBrk="0" hangingPunct="0">
-              <a:spcBef>
-                <a:spcPct val="20000"/>
-              </a:spcBef>
-              <a:buChar char="•"/>
-              <a:defRPr sz="2400" b="1">
-                <a:solidFill>
-                  <a:srgbClr val="A50021"/>
-                </a:solidFill>
-                <a:latin typeface="Arial" pitchFamily="34" charset="0"/>
-                <a:ea typeface="ＭＳ Ｐゴシック" pitchFamily="34" charset="-128"/>
-              </a:defRPr>
-            </a:lvl1pPr>
-            <a:lvl2pPr eaLnBrk="0" hangingPunct="0">
-              <a:spcBef>
-                <a:spcPct val="20000"/>
-              </a:spcBef>
-              <a:buChar char="–"/>
-              <a:defRPr sz="2000">
-                <a:solidFill>
-                  <a:srgbClr val="000066"/>
-                </a:solidFill>
-                <a:latin typeface="Arial" pitchFamily="34" charset="0"/>
-                <a:ea typeface="ＭＳ Ｐゴシック" pitchFamily="34" charset="-128"/>
-              </a:defRPr>
-            </a:lvl2pPr>
-            <a:lvl3pPr eaLnBrk="0" hangingPunct="0">
-              <a:spcBef>
-                <a:spcPct val="20000"/>
-              </a:spcBef>
-              <a:buChar char="•"/>
-              <a:defRPr sz="1600">
-                <a:solidFill>
-                  <a:schemeClr val="tx1"/>
-                </a:solidFill>
-                <a:latin typeface="Arial" pitchFamily="34" charset="0"/>
-                <a:ea typeface="ＭＳ Ｐゴシック" pitchFamily="34" charset="-128"/>
-              </a:defRPr>
-            </a:lvl3pPr>
-            <a:lvl4pPr eaLnBrk="0" hangingPunct="0">
-              <a:spcBef>
-                <a:spcPct val="20000"/>
-              </a:spcBef>
-              <a:buChar char="–"/>
-              <a:defRPr sz="1600">
-                <a:solidFill>
-                  <a:schemeClr val="tx1"/>
-                </a:solidFill>
-                <a:latin typeface="Times New Roman" pitchFamily="18" charset="0"/>
-                <a:ea typeface="ＭＳ Ｐゴシック" pitchFamily="34" charset="-128"/>
-              </a:defRPr>
-            </a:lvl4pPr>
-            <a:lvl5pPr eaLnBrk="0" hangingPunct="0">
-              <a:spcBef>
-                <a:spcPct val="20000"/>
-              </a:spcBef>
-              <a:buChar char="»"/>
-              <a:defRPr sz="1200">
-                <a:solidFill>
-                  <a:schemeClr val="tx1"/>
-                </a:solidFill>
-                <a:latin typeface="Times New Roman" pitchFamily="18" charset="0"/>
-                <a:ea typeface="ＭＳ Ｐゴシック" pitchFamily="34" charset="-128"/>
-              </a:defRPr>
-            </a:lvl5pPr>
-            <a:lvl6pPr eaLnBrk="0" fontAlgn="base" hangingPunct="0">
-              <a:spcBef>
-                <a:spcPct val="20000"/>
-              </a:spcBef>
-              <a:spcAft>
-                <a:spcPct val="0"/>
-              </a:spcAft>
-              <a:buChar char="»"/>
-              <a:defRPr sz="1200">
-                <a:solidFill>
-                  <a:schemeClr val="tx1"/>
-                </a:solidFill>
-                <a:latin typeface="Times New Roman" pitchFamily="18" charset="0"/>
-                <a:ea typeface="ＭＳ Ｐゴシック" pitchFamily="34" charset="-128"/>
-              </a:defRPr>
-            </a:lvl6pPr>
-            <a:lvl7pPr eaLnBrk="0" fontAlgn="base" hangingPunct="0">
-              <a:spcBef>
-                <a:spcPct val="20000"/>
-              </a:spcBef>
-              <a:spcAft>
-                <a:spcPct val="0"/>
-              </a:spcAft>
-              <a:buChar char="»"/>
-              <a:defRPr sz="1200">
-                <a:solidFill>
-                  <a:schemeClr val="tx1"/>
-                </a:solidFill>
-                <a:latin typeface="Times New Roman" pitchFamily="18" charset="0"/>
-                <a:ea typeface="ＭＳ Ｐゴシック" pitchFamily="34" charset="-128"/>
-              </a:defRPr>
-            </a:lvl7pPr>
-            <a:lvl8pPr eaLnBrk="0" fontAlgn="base" hangingPunct="0">
-              <a:spcBef>
-                <a:spcPct val="20000"/>
-              </a:spcBef>
-              <a:spcAft>
-                <a:spcPct val="0"/>
-              </a:spcAft>
-              <a:buChar char="»"/>
-              <a:defRPr sz="1200">
-                <a:solidFill>
-                  <a:schemeClr val="tx1"/>
-                </a:solidFill>
-                <a:latin typeface="Times New Roman" pitchFamily="18" charset="0"/>
-                <a:ea typeface="ＭＳ Ｐゴシック" pitchFamily="34" charset="-128"/>
-              </a:defRPr>
-            </a:lvl8pPr>
-            <a:lvl9pPr eaLnBrk="0" fontAlgn="base" hangingPunct="0">
-              <a:spcBef>
-                <a:spcPct val="20000"/>
-              </a:spcBef>
-              <a:spcAft>
-                <a:spcPct val="0"/>
-              </a:spcAft>
-              <a:buChar char="»"/>
-              <a:defRPr sz="1200">
-                <a:solidFill>
-                  <a:schemeClr val="tx1"/>
-                </a:solidFill>
-                <a:latin typeface="Times New Roman" pitchFamily="18" charset="0"/>
-                <a:ea typeface="ＭＳ Ｐゴシック" pitchFamily="34" charset="-128"/>
-              </a:defRPr>
-            </a:lvl9pPr>
-          </a:lstStyle>
+              <a:t>Hvis I er alene, skal I også gå ind i jeres rum (så instruktoren kan “finde” jer der)</a:t>
+            </a:r>
+          </a:p>
           <a:p>
             <a:pPr marL="271463" lvl="1" indent="-271463">
               <a:spcBef>
@@ -7317,7 +6989,7 @@
                   <a:srgbClr val="A50021"/>
                 </a:solidFill>
               </a:rPr>
-              <a:t>Fordeling mellem instruktorerne (samme som sidst)</a:t>
+              <a:t>Inde i breakout rummet kan I kun kommunikere med dem der er i rummet</a:t>
             </a:r>
           </a:p>
           <a:p>
@@ -7325,12 +6997,30 @@
               <a:spcBef>
                 <a:spcPts val="600"/>
               </a:spcBef>
-              <a:buFontTx/>
-              <a:buChar char="–"/>
             </a:pPr>
             <a:r>
+              <a:rPr lang="da-DK" altLang="da-DK" sz="1600" dirty="0" smtClean="0"/>
+              <a:t>I </a:t>
+            </a:r>
+            <a:r>
+              <a:rPr lang="da-DK" altLang="da-DK" sz="1600" dirty="0" smtClean="0"/>
+              <a:t>kan dele den ene af jeres computerskærme (eller eventuelt dem begge) – på den måde kan I arbejde på et fælles </a:t>
+            </a:r>
+            <a:r>
               <a:rPr lang="da-DK" altLang="da-DK" sz="1600" dirty="0"/>
-              <a:t>Adam: Par 1-4</a:t>
+              <a:t>B</a:t>
+            </a:r>
+            <a:r>
+              <a:rPr lang="da-DK" altLang="da-DK" sz="1600" dirty="0" smtClean="0"/>
+              <a:t>lueJ projekt (tryk på ”</a:t>
+            </a:r>
+            <a:r>
+              <a:rPr lang="da-DK" altLang="da-DK" sz="1600" dirty="0" err="1" smtClean="0"/>
+              <a:t>Share</a:t>
+            </a:r>
+            <a:r>
+              <a:rPr lang="da-DK" altLang="da-DK" sz="1600" dirty="0" smtClean="0"/>
+              <a:t> Screen”)</a:t>
             </a:r>
           </a:p>
           <a:p>
@@ -7338,12 +7028,10 @@
               <a:spcBef>
                 <a:spcPts val="600"/>
               </a:spcBef>
-              <a:buFontTx/>
-              <a:buChar char="–"/>
             </a:pPr>
             <a:r>
-              <a:rPr lang="da-DK" altLang="da-DK" sz="1600" dirty="0"/>
-              <a:t>Asger Par 5-8</a:t>
+              <a:rPr lang="da-DK" altLang="da-DK" sz="1600" dirty="0" smtClean="0"/>
+              <a:t>I kan tale sammen og skrive beskeder til hinanden via chat faciliteten</a:t>
             </a:r>
           </a:p>
           <a:p>
@@ -7351,94 +7039,27 @@
               <a:spcBef>
                 <a:spcPts val="600"/>
               </a:spcBef>
-              <a:buFontTx/>
-              <a:buChar char="–"/>
             </a:pPr>
             <a:r>
-              <a:rPr lang="da-DK" altLang="da-DK" sz="1600" dirty="0"/>
-              <a:t>Mikkel: Par </a:t>
-            </a:r>
-            <a:r>
               <a:rPr lang="da-DK" altLang="da-DK" sz="1600" dirty="0" smtClean="0"/>
-              <a:t>9-11</a:t>
-            </a:r>
-          </a:p>
-          <a:p>
-            <a:pPr marL="742950" lvl="1" indent="-285750">
-              <a:spcBef>
-                <a:spcPts val="600"/>
-              </a:spcBef>
-              <a:buFontTx/>
-              <a:buChar char="–"/>
-            </a:pPr>
+              <a:t>I tilkalder instruktoren ved at trykke på linket “</a:t>
+            </a:r>
+            <a:r>
+              <a:rPr lang="da-DK" altLang="da-DK" sz="1600" b="1" dirty="0" smtClean="0"/>
+              <a:t>Tilkald hjælp</a:t>
+            </a:r>
             <a:r>
               <a:rPr lang="da-DK" altLang="da-DK" sz="1600" dirty="0" smtClean="0"/>
-              <a:t>Udover at arbejde med afleveringsopgaverne, kan I også bruge øvelserne til at stille spørgsmål omkring</a:t>
-            </a:r>
-          </a:p>
-          <a:p>
-            <a:pPr marL="1200150" lvl="2" indent="-285750">
-              <a:spcBef>
-                <a:spcPts val="400"/>
-              </a:spcBef>
-              <a:buFontTx/>
-              <a:buChar char="–"/>
-            </a:pPr>
-            <a:r>
-              <a:rPr lang="da-DK" altLang="da-DK" dirty="0" smtClean="0">
-                <a:solidFill>
-                  <a:srgbClr val="002060"/>
-                </a:solidFill>
-              </a:rPr>
-              <a:t>jeres tidligere afleveringer (og instruktorens kommentarerne til dem)</a:t>
-            </a:r>
-          </a:p>
-          <a:p>
-            <a:pPr marL="1200150" lvl="2" indent="-285750">
-              <a:spcBef>
-                <a:spcPts val="400"/>
-              </a:spcBef>
-              <a:buFontTx/>
-              <a:buChar char="–"/>
-            </a:pPr>
-            <a:r>
-              <a:rPr lang="da-DK" altLang="da-DK" dirty="0" err="1" smtClean="0">
-                <a:solidFill>
-                  <a:srgbClr val="002060"/>
-                </a:solidFill>
-              </a:rPr>
-              <a:t>BlueJ</a:t>
-            </a:r>
-            <a:r>
-              <a:rPr lang="da-DK" altLang="da-DK" dirty="0" smtClean="0">
-                <a:solidFill>
-                  <a:srgbClr val="002060"/>
-                </a:solidFill>
-              </a:rPr>
-              <a:t> bogen og mine slides</a:t>
-            </a:r>
-          </a:p>
-          <a:p>
-            <a:pPr marL="1200150" lvl="2" indent="-285750">
-              <a:spcBef>
-                <a:spcPts val="400"/>
-              </a:spcBef>
-              <a:buFontTx/>
-              <a:buChar char="–"/>
-            </a:pPr>
-            <a:r>
-              <a:rPr lang="da-DK" altLang="da-DK" dirty="0" smtClean="0">
-                <a:solidFill>
-                  <a:srgbClr val="002060"/>
-                </a:solidFill>
-              </a:rPr>
-              <a:t>alt andet, som I har problemer med</a:t>
-            </a:r>
-            <a:endParaRPr lang="da-DK" altLang="da-DK" dirty="0">
-              <a:solidFill>
-                <a:srgbClr val="002060"/>
-              </a:solidFill>
-            </a:endParaRPr>
+              <a:t>” øverst på siden ”</a:t>
+            </a:r>
+            <a:r>
+              <a:rPr lang="da-DK" altLang="da-DK" sz="1600" b="1" dirty="0" smtClean="0"/>
+              <a:t>Seminar 2 – 21. januar</a:t>
+            </a:r>
+            <a:r>
+              <a:rPr lang="da-DK" altLang="da-DK" sz="1600" dirty="0" smtClean="0"/>
+              <a:t>”</a:t>
+            </a:r>
           </a:p>
           <a:p>
             <a:pPr marL="271463" lvl="1" indent="-271463">
@@ -7449,121 +7070,79 @@
               <a:buChar char="•"/>
             </a:pPr>
             <a:r>
-              <a:rPr lang="da-DK" altLang="da-DK" sz="1800" b="1" spc="-40" dirty="0" smtClean="0">
+              <a:rPr lang="da-DK" altLang="da-DK" sz="1600" b="1" spc="-40" dirty="0">
                 <a:solidFill>
                   <a:srgbClr val="A50021"/>
                 </a:solidFill>
               </a:rPr>
-              <a:t>Vi  ”mødes” alle i ”hovedrummet” kl. 13.00</a:t>
-            </a:r>
-          </a:p>
-          <a:p>
-            <a:pPr marL="742950" lvl="1" indent="-285750">
-              <a:spcBef>
-                <a:spcPts val="600"/>
-              </a:spcBef>
-            </a:pPr>
-            <a:r>
-              <a:rPr lang="da-DK" altLang="da-DK" sz="1600" dirty="0" smtClean="0"/>
-              <a:t>Der kommer I hen ved at trykke på “</a:t>
-            </a:r>
-            <a:r>
-              <a:rPr lang="da-DK" altLang="da-DK" sz="1600" dirty="0" err="1" smtClean="0"/>
-              <a:t>Leave</a:t>
-            </a:r>
-            <a:r>
-              <a:rPr lang="da-DK" altLang="da-DK" sz="1600" dirty="0" smtClean="0"/>
-              <a:t> </a:t>
-            </a:r>
-            <a:r>
-              <a:rPr lang="da-DK" altLang="da-DK" sz="1600" dirty="0" err="1" smtClean="0"/>
-              <a:t>Room</a:t>
-            </a:r>
-            <a:r>
-              <a:rPr lang="da-DK" altLang="da-DK" sz="1600" dirty="0" smtClean="0"/>
-              <a:t>” knappen og dernæst på “</a:t>
-            </a:r>
-            <a:r>
-              <a:rPr lang="da-DK" altLang="da-DK" sz="1600" dirty="0" err="1" smtClean="0"/>
-              <a:t>Leave</a:t>
-            </a:r>
-            <a:r>
-              <a:rPr lang="da-DK" altLang="da-DK" sz="1600" dirty="0" smtClean="0"/>
-              <a:t> </a:t>
-            </a:r>
-            <a:r>
-              <a:rPr lang="da-DK" altLang="da-DK" sz="1600" dirty="0" err="1" smtClean="0"/>
-              <a:t>Breakout</a:t>
-            </a:r>
-            <a:r>
-              <a:rPr lang="da-DK" altLang="da-DK" sz="1600" dirty="0" smtClean="0"/>
-              <a:t> </a:t>
-            </a:r>
-            <a:r>
-              <a:rPr lang="da-DK" altLang="da-DK" sz="1600" dirty="0" err="1" smtClean="0"/>
-              <a:t>Room</a:t>
-            </a:r>
-            <a:r>
-              <a:rPr lang="da-DK" altLang="da-DK" sz="1600" dirty="0" smtClean="0"/>
-              <a:t>”</a:t>
-            </a:r>
-          </a:p>
-          <a:p>
-            <a:pPr marL="742950" lvl="1" indent="-285750">
-              <a:spcBef>
-                <a:spcPts val="600"/>
-              </a:spcBef>
-            </a:pPr>
-            <a:r>
-              <a:rPr lang="da-DK" altLang="da-DK" sz="1600" dirty="0" smtClean="0"/>
-              <a:t>Husk at stoppe så betids, </a:t>
-            </a:r>
-            <a:r>
-              <a:rPr lang="da-DK" altLang="da-DK" sz="1600" smtClean="0"/>
-              <a:t>at </a:t>
-            </a:r>
-            <a:r>
-              <a:rPr lang="da-DK" altLang="da-DK" sz="1600" smtClean="0"/>
-              <a:t>I kan </a:t>
-            </a:r>
-            <a:r>
-              <a:rPr lang="da-DK" altLang="da-DK" sz="1600" dirty="0" smtClean="0"/>
-              <a:t>få noget frokost og få slappet lidt af inden forelæsningerne starter igen – gå eventuelt også en kort tur for at få lidt frisk luft</a:t>
-            </a:r>
-          </a:p>
-          <a:p>
-            <a:pPr marL="271463" lvl="1" indent="-271463">
-              <a:spcBef>
-                <a:spcPts val="1800"/>
-              </a:spcBef>
-              <a:buFontTx/>
-              <a:buChar char="•"/>
-            </a:pPr>
-            <a:r>
-              <a:rPr lang="da-DK" altLang="da-DK" sz="1800" b="1" spc="-40" dirty="0" smtClean="0">
+              <a:t>Vi  </a:t>
+            </a:r>
+            <a:r>
+              <a:rPr lang="da-DK" altLang="da-DK" sz="1600" b="1" spc="-40" dirty="0" smtClean="0">
                 <a:solidFill>
                   <a:srgbClr val="A50021"/>
                 </a:solidFill>
               </a:rPr>
-              <a:t>Er der nogen, der har spørgsmål, inden vi går i gang med øvelserne?</a:t>
-            </a:r>
-            <a:endParaRPr lang="da-DK" altLang="da-DK" sz="1800" b="1" spc="-40" dirty="0">
+              <a:t>mødes alle </a:t>
+            </a:r>
+            <a:r>
+              <a:rPr lang="da-DK" altLang="da-DK" sz="1600" b="1" spc="-40" dirty="0">
+                <a:solidFill>
+                  <a:srgbClr val="A50021"/>
+                </a:solidFill>
+              </a:rPr>
+              <a:t>kl. </a:t>
+            </a:r>
+            <a:r>
+              <a:rPr lang="da-DK" altLang="da-DK" sz="1600" b="1" spc="-40" dirty="0" smtClean="0">
+                <a:solidFill>
+                  <a:srgbClr val="A50021"/>
+                </a:solidFill>
+              </a:rPr>
+              <a:t>13.30</a:t>
+            </a:r>
+            <a:endParaRPr lang="da-DK" altLang="da-DK" sz="1600" b="1" spc="-40" dirty="0">
               <a:solidFill>
                 <a:srgbClr val="A50021"/>
               </a:solidFill>
             </a:endParaRPr>
           </a:p>
+          <a:p>
+            <a:pPr marL="271463" lvl="1" indent="-271463">
+              <a:spcBef>
+                <a:spcPts val="1800"/>
+              </a:spcBef>
+              <a:buFontTx/>
+              <a:buChar char="•"/>
+            </a:pPr>
+            <a:r>
+              <a:rPr lang="da-DK" altLang="da-DK" sz="1600" b="1" spc="-40" dirty="0">
+                <a:solidFill>
+                  <a:srgbClr val="A50021"/>
+                </a:solidFill>
+              </a:rPr>
+              <a:t>Er der nogen, der har spørgsmål, inden vi går i gang med øvelserne?</a:t>
+            </a:r>
+          </a:p>
+          <a:p>
+            <a:pPr marL="742950" lvl="1" indent="-285750">
+              <a:spcBef>
+                <a:spcPts val="600"/>
+              </a:spcBef>
+            </a:pPr>
+            <a:endParaRPr lang="da-DK" altLang="da-DK" sz="1600" dirty="0" smtClean="0"/>
+          </a:p>
         </p:txBody>
       </p:sp>
       <p:sp>
         <p:nvSpPr>
-          <p:cNvPr id="6" name="Rectangle 5"/>
+          <p:cNvPr id="5" name="Rectangle 4"/>
           <p:cNvSpPr/>
           <p:nvPr/>
         </p:nvSpPr>
         <p:spPr>
           <a:xfrm rot="21165640">
-            <a:off x="2431652" y="6130195"/>
+            <a:off x="4735909" y="4929729"/>
             <a:ext cx="3280124" cy="523220"/>
           </a:xfrm>
           <a:prstGeom prst="rect">
@@ -7626,199 +7205,10 @@
           </a:p>
         </p:txBody>
       </p:sp>
-      <p:sp>
-        <p:nvSpPr>
-          <p:cNvPr id="7" name="Title 1"/>
-          <p:cNvSpPr txBox="1">
-            <a:spLocks/>
-          </p:cNvSpPr>
-          <p:nvPr/>
-        </p:nvSpPr>
-        <p:spPr bwMode="auto">
-          <a:xfrm>
-            <a:off x="459225" y="260349"/>
-            <a:ext cx="8793295" cy="682625"/>
-          </a:xfrm>
-          <a:prstGeom prst="rect">
-            <a:avLst/>
-          </a:prstGeom>
-          <a:noFill/>
-          <a:ln>
-            <a:noFill/>
-          </a:ln>
-          <a:extLst>
-            <a:ext uri="{909E8E84-426E-40DD-AFC4-6F175D3DCCD1}">
-              <a14:hiddenFill xmlns:a14="http://schemas.microsoft.com/office/drawing/2010/main">
-                <a:solidFill>
-                  <a:srgbClr val="FFFFFF"/>
-                </a:solidFill>
-              </a14:hiddenFill>
-            </a:ext>
-            <a:ext uri="{91240B29-F687-4F45-9708-019B960494DF}">
-              <a14:hiddenLine xmlns:a14="http://schemas.microsoft.com/office/drawing/2010/main" w="9525">
-                <a:solidFill>
-                  <a:srgbClr val="000000"/>
-                </a:solidFill>
-                <a:miter lim="800000"/>
-                <a:headEnd/>
-                <a:tailEnd/>
-              </a14:hiddenLine>
-            </a:ext>
-          </a:extLst>
-        </p:spPr>
-        <p:txBody>
-          <a:bodyPr anchor="ctr"/>
-          <a:lstStyle>
-            <a:lvl1pPr algn="l" rtl="0" eaLnBrk="0" fontAlgn="base" hangingPunct="0">
-              <a:spcBef>
-                <a:spcPct val="0"/>
-              </a:spcBef>
-              <a:spcAft>
-                <a:spcPct val="0"/>
-              </a:spcAft>
-              <a:defRPr sz="3600" b="1">
-                <a:solidFill>
-                  <a:srgbClr val="000066"/>
-                </a:solidFill>
-                <a:latin typeface="+mj-lt"/>
-                <a:ea typeface="ＭＳ Ｐゴシック" pitchFamily="-107" charset="-128"/>
-                <a:cs typeface="ＭＳ Ｐゴシック" pitchFamily="-107" charset="-128"/>
-              </a:defRPr>
-            </a:lvl1pPr>
-            <a:lvl2pPr algn="l" rtl="0" eaLnBrk="0" fontAlgn="base" hangingPunct="0">
-              <a:spcBef>
-                <a:spcPct val="0"/>
-              </a:spcBef>
-              <a:spcAft>
-                <a:spcPct val="0"/>
-              </a:spcAft>
-              <a:defRPr sz="3600" b="1">
-                <a:solidFill>
-                  <a:srgbClr val="000066"/>
-                </a:solidFill>
-                <a:latin typeface="Arial" charset="0"/>
-                <a:ea typeface="ＭＳ Ｐゴシック" pitchFamily="-107" charset="-128"/>
-                <a:cs typeface="ＭＳ Ｐゴシック" pitchFamily="-107" charset="-128"/>
-              </a:defRPr>
-            </a:lvl2pPr>
-            <a:lvl3pPr algn="l" rtl="0" eaLnBrk="0" fontAlgn="base" hangingPunct="0">
-              <a:spcBef>
-                <a:spcPct val="0"/>
-              </a:spcBef>
-              <a:spcAft>
-                <a:spcPct val="0"/>
-              </a:spcAft>
-              <a:defRPr sz="3600" b="1">
-                <a:solidFill>
-                  <a:srgbClr val="000066"/>
-                </a:solidFill>
-                <a:latin typeface="Arial" charset="0"/>
-                <a:ea typeface="ＭＳ Ｐゴシック" pitchFamily="-107" charset="-128"/>
-                <a:cs typeface="ＭＳ Ｐゴシック" pitchFamily="-107" charset="-128"/>
-              </a:defRPr>
-            </a:lvl3pPr>
-            <a:lvl4pPr algn="l" rtl="0" eaLnBrk="0" fontAlgn="base" hangingPunct="0">
-              <a:spcBef>
-                <a:spcPct val="0"/>
-              </a:spcBef>
-              <a:spcAft>
-                <a:spcPct val="0"/>
-              </a:spcAft>
-              <a:defRPr sz="3600" b="1">
-                <a:solidFill>
-                  <a:srgbClr val="000066"/>
-                </a:solidFill>
-                <a:latin typeface="Arial" charset="0"/>
-                <a:ea typeface="ＭＳ Ｐゴシック" pitchFamily="-107" charset="-128"/>
-                <a:cs typeface="ＭＳ Ｐゴシック" pitchFamily="-107" charset="-128"/>
-              </a:defRPr>
-            </a:lvl4pPr>
-            <a:lvl5pPr algn="l" rtl="0" eaLnBrk="0" fontAlgn="base" hangingPunct="0">
-              <a:spcBef>
-                <a:spcPct val="0"/>
-              </a:spcBef>
-              <a:spcAft>
-                <a:spcPct val="0"/>
-              </a:spcAft>
-              <a:defRPr sz="3600" b="1">
-                <a:solidFill>
-                  <a:srgbClr val="000066"/>
-                </a:solidFill>
-                <a:latin typeface="Arial" charset="0"/>
-                <a:ea typeface="ＭＳ Ｐゴシック" pitchFamily="-107" charset="-128"/>
-                <a:cs typeface="ＭＳ Ｐゴシック" pitchFamily="-107" charset="-128"/>
-              </a:defRPr>
-            </a:lvl5pPr>
-            <a:lvl6pPr marL="457200" algn="l" rtl="0" fontAlgn="base">
-              <a:spcBef>
-                <a:spcPct val="0"/>
-              </a:spcBef>
-              <a:spcAft>
-                <a:spcPct val="0"/>
-              </a:spcAft>
-              <a:defRPr sz="3600" b="1">
-                <a:solidFill>
-                  <a:srgbClr val="000066"/>
-                </a:solidFill>
-                <a:latin typeface="Arial" charset="0"/>
-              </a:defRPr>
-            </a:lvl6pPr>
-            <a:lvl7pPr marL="914400" algn="l" rtl="0" fontAlgn="base">
-              <a:spcBef>
-                <a:spcPct val="0"/>
-              </a:spcBef>
-              <a:spcAft>
-                <a:spcPct val="0"/>
-              </a:spcAft>
-              <a:defRPr sz="3600" b="1">
-                <a:solidFill>
-                  <a:srgbClr val="000066"/>
-                </a:solidFill>
-                <a:latin typeface="Arial" charset="0"/>
-              </a:defRPr>
-            </a:lvl7pPr>
-            <a:lvl8pPr marL="1371600" algn="l" rtl="0" fontAlgn="base">
-              <a:spcBef>
-                <a:spcPct val="0"/>
-              </a:spcBef>
-              <a:spcAft>
-                <a:spcPct val="0"/>
-              </a:spcAft>
-              <a:defRPr sz="3600" b="1">
-                <a:solidFill>
-                  <a:srgbClr val="000066"/>
-                </a:solidFill>
-                <a:latin typeface="Arial" charset="0"/>
-              </a:defRPr>
-            </a:lvl8pPr>
-            <a:lvl9pPr marL="1828800" algn="l" rtl="0" fontAlgn="base">
-              <a:spcBef>
-                <a:spcPct val="0"/>
-              </a:spcBef>
-              <a:spcAft>
-                <a:spcPct val="0"/>
-              </a:spcAft>
-              <a:defRPr sz="3600" b="1">
-                <a:solidFill>
-                  <a:srgbClr val="000066"/>
-                </a:solidFill>
-                <a:latin typeface="Arial" charset="0"/>
-              </a:defRPr>
-            </a:lvl9pPr>
-          </a:lstStyle>
-          <a:p>
-            <a:pPr marL="271463" indent="-271463"/>
-            <a:r>
-              <a:rPr lang="da-DK" altLang="da-DK" sz="2800" dirty="0" smtClean="0"/>
-              <a:t>Øvelser – fortsat</a:t>
-            </a:r>
-          </a:p>
-        </p:txBody>
-      </p:sp>
     </p:spTree>
     <p:extLst>
       <p:ext uri="{BB962C8B-B14F-4D97-AF65-F5344CB8AC3E}">
-        <p14:creationId xmlns:p14="http://schemas.microsoft.com/office/powerpoint/2010/main" val="2279862288"/>
+        <p14:creationId xmlns:p14="http://schemas.microsoft.com/office/powerpoint/2010/main" val="1941270039"/>
       </p:ext>
     </p:extLst>
   </p:cSld>
@@ -7859,7 +7249,7 @@
                                           </p:stCondLst>
                                         </p:cTn>
                                         <p:tgtEl>
-                                          <p:spTgt spid="6"/>
+                                          <p:spTgt spid="5"/>
                                         </p:tgtEl>
                                         <p:attrNameLst>
                                           <p:attrName>style.visibility</p:attrName>
@@ -7897,6 +7287,629 @@
             </p:seq>
           </p:childTnLst>
         </p:cTn>
+      </p:par>
+    </p:tnLst>
+  </p:timing>
+</p:sld>
+</file>
+
+<file path=ppt/slides/slide5.xml><?xml version="1.0" encoding="utf-8"?>
+<p:sld xmlns:a="http://schemas.openxmlformats.org/drawingml/2006/main" xmlns:r="http://schemas.openxmlformats.org/officeDocument/2006/relationships" xmlns:p="http://schemas.openxmlformats.org/presentationml/2006/main">
+  <p:cSld>
+    <p:spTree>
+      <p:nvGrpSpPr>
+        <p:cNvPr id="1" name=""/>
+        <p:cNvGrpSpPr/>
+        <p:nvPr/>
+      </p:nvGrpSpPr>
+      <p:grpSpPr>
+        <a:xfrm>
+          <a:off x="0" y="0"/>
+          <a:ext cx="0" cy="0"/>
+          <a:chOff x="0" y="0"/>
+          <a:chExt cx="0" cy="0"/>
+        </a:xfrm>
+      </p:grpSpPr>
+      <p:sp>
+        <p:nvSpPr>
+          <p:cNvPr id="4" name="Title 1"/>
+          <p:cNvSpPr txBox="1">
+            <a:spLocks/>
+          </p:cNvSpPr>
+          <p:nvPr/>
+        </p:nvSpPr>
+        <p:spPr bwMode="auto">
+          <a:xfrm>
+            <a:off x="459225" y="260349"/>
+            <a:ext cx="8793295" cy="682625"/>
+          </a:xfrm>
+          <a:prstGeom prst="rect">
+            <a:avLst/>
+          </a:prstGeom>
+          <a:noFill/>
+          <a:ln>
+            <a:noFill/>
+          </a:ln>
+          <a:extLst>
+            <a:ext uri="{909E8E84-426E-40DD-AFC4-6F175D3DCCD1}">
+              <a14:hiddenFill xmlns:a14="http://schemas.microsoft.com/office/drawing/2010/main">
+                <a:solidFill>
+                  <a:srgbClr val="FFFFFF"/>
+                </a:solidFill>
+              </a14:hiddenFill>
+            </a:ext>
+            <a:ext uri="{91240B29-F687-4F45-9708-019B960494DF}">
+              <a14:hiddenLine xmlns:a14="http://schemas.microsoft.com/office/drawing/2010/main" w="9525">
+                <a:solidFill>
+                  <a:srgbClr val="000000"/>
+                </a:solidFill>
+                <a:miter lim="800000"/>
+                <a:headEnd/>
+                <a:tailEnd/>
+              </a14:hiddenLine>
+            </a:ext>
+          </a:extLst>
+        </p:spPr>
+        <p:txBody>
+          <a:bodyPr anchor="ctr"/>
+          <a:lstStyle>
+            <a:lvl1pPr algn="l" rtl="0" eaLnBrk="0" fontAlgn="base" hangingPunct="0">
+              <a:spcBef>
+                <a:spcPct val="0"/>
+              </a:spcBef>
+              <a:spcAft>
+                <a:spcPct val="0"/>
+              </a:spcAft>
+              <a:defRPr sz="3600" b="1">
+                <a:solidFill>
+                  <a:srgbClr val="000066"/>
+                </a:solidFill>
+                <a:latin typeface="+mj-lt"/>
+                <a:ea typeface="ＭＳ Ｐゴシック" pitchFamily="-107" charset="-128"/>
+                <a:cs typeface="ＭＳ Ｐゴシック" pitchFamily="-107" charset="-128"/>
+              </a:defRPr>
+            </a:lvl1pPr>
+            <a:lvl2pPr algn="l" rtl="0" eaLnBrk="0" fontAlgn="base" hangingPunct="0">
+              <a:spcBef>
+                <a:spcPct val="0"/>
+              </a:spcBef>
+              <a:spcAft>
+                <a:spcPct val="0"/>
+              </a:spcAft>
+              <a:defRPr sz="3600" b="1">
+                <a:solidFill>
+                  <a:srgbClr val="000066"/>
+                </a:solidFill>
+                <a:latin typeface="Arial" charset="0"/>
+                <a:ea typeface="ＭＳ Ｐゴシック" pitchFamily="-107" charset="-128"/>
+                <a:cs typeface="ＭＳ Ｐゴシック" pitchFamily="-107" charset="-128"/>
+              </a:defRPr>
+            </a:lvl2pPr>
+            <a:lvl3pPr algn="l" rtl="0" eaLnBrk="0" fontAlgn="base" hangingPunct="0">
+              <a:spcBef>
+                <a:spcPct val="0"/>
+              </a:spcBef>
+              <a:spcAft>
+                <a:spcPct val="0"/>
+              </a:spcAft>
+              <a:defRPr sz="3600" b="1">
+                <a:solidFill>
+                  <a:srgbClr val="000066"/>
+                </a:solidFill>
+                <a:latin typeface="Arial" charset="0"/>
+                <a:ea typeface="ＭＳ Ｐゴシック" pitchFamily="-107" charset="-128"/>
+                <a:cs typeface="ＭＳ Ｐゴシック" pitchFamily="-107" charset="-128"/>
+              </a:defRPr>
+            </a:lvl3pPr>
+            <a:lvl4pPr algn="l" rtl="0" eaLnBrk="0" fontAlgn="base" hangingPunct="0">
+              <a:spcBef>
+                <a:spcPct val="0"/>
+              </a:spcBef>
+              <a:spcAft>
+                <a:spcPct val="0"/>
+              </a:spcAft>
+              <a:defRPr sz="3600" b="1">
+                <a:solidFill>
+                  <a:srgbClr val="000066"/>
+                </a:solidFill>
+                <a:latin typeface="Arial" charset="0"/>
+                <a:ea typeface="ＭＳ Ｐゴシック" pitchFamily="-107" charset="-128"/>
+                <a:cs typeface="ＭＳ Ｐゴシック" pitchFamily="-107" charset="-128"/>
+              </a:defRPr>
+            </a:lvl4pPr>
+            <a:lvl5pPr algn="l" rtl="0" eaLnBrk="0" fontAlgn="base" hangingPunct="0">
+              <a:spcBef>
+                <a:spcPct val="0"/>
+              </a:spcBef>
+              <a:spcAft>
+                <a:spcPct val="0"/>
+              </a:spcAft>
+              <a:defRPr sz="3600" b="1">
+                <a:solidFill>
+                  <a:srgbClr val="000066"/>
+                </a:solidFill>
+                <a:latin typeface="Arial" charset="0"/>
+                <a:ea typeface="ＭＳ Ｐゴシック" pitchFamily="-107" charset="-128"/>
+                <a:cs typeface="ＭＳ Ｐゴシック" pitchFamily="-107" charset="-128"/>
+              </a:defRPr>
+            </a:lvl5pPr>
+            <a:lvl6pPr marL="457200" algn="l" rtl="0" fontAlgn="base">
+              <a:spcBef>
+                <a:spcPct val="0"/>
+              </a:spcBef>
+              <a:spcAft>
+                <a:spcPct val="0"/>
+              </a:spcAft>
+              <a:defRPr sz="3600" b="1">
+                <a:solidFill>
+                  <a:srgbClr val="000066"/>
+                </a:solidFill>
+                <a:latin typeface="Arial" charset="0"/>
+              </a:defRPr>
+            </a:lvl6pPr>
+            <a:lvl7pPr marL="914400" algn="l" rtl="0" fontAlgn="base">
+              <a:spcBef>
+                <a:spcPct val="0"/>
+              </a:spcBef>
+              <a:spcAft>
+                <a:spcPct val="0"/>
+              </a:spcAft>
+              <a:defRPr sz="3600" b="1">
+                <a:solidFill>
+                  <a:srgbClr val="000066"/>
+                </a:solidFill>
+                <a:latin typeface="Arial" charset="0"/>
+              </a:defRPr>
+            </a:lvl7pPr>
+            <a:lvl8pPr marL="1371600" algn="l" rtl="0" fontAlgn="base">
+              <a:spcBef>
+                <a:spcPct val="0"/>
+              </a:spcBef>
+              <a:spcAft>
+                <a:spcPct val="0"/>
+              </a:spcAft>
+              <a:defRPr sz="3600" b="1">
+                <a:solidFill>
+                  <a:srgbClr val="000066"/>
+                </a:solidFill>
+                <a:latin typeface="Arial" charset="0"/>
+              </a:defRPr>
+            </a:lvl8pPr>
+            <a:lvl9pPr marL="1828800" algn="l" rtl="0" fontAlgn="base">
+              <a:spcBef>
+                <a:spcPct val="0"/>
+              </a:spcBef>
+              <a:spcAft>
+                <a:spcPct val="0"/>
+              </a:spcAft>
+              <a:defRPr sz="3600" b="1">
+                <a:solidFill>
+                  <a:srgbClr val="000066"/>
+                </a:solidFill>
+                <a:latin typeface="Arial" charset="0"/>
+              </a:defRPr>
+            </a:lvl9pPr>
+          </a:lstStyle>
+          <a:p>
+            <a:pPr marL="271463" indent="-271463"/>
+            <a:r>
+              <a:rPr lang="da-DK" altLang="da-DK" sz="2800" dirty="0" smtClean="0"/>
+              <a:t>De fremtidige afleveringsopgaver</a:t>
+            </a:r>
+            <a:endParaRPr lang="da-DK" altLang="da-DK" sz="2800" dirty="0"/>
+          </a:p>
+        </p:txBody>
+      </p:sp>
+      <p:sp>
+        <p:nvSpPr>
+          <p:cNvPr id="5" name="Content Placeholder 2"/>
+          <p:cNvSpPr txBox="1">
+            <a:spLocks/>
+          </p:cNvSpPr>
+          <p:nvPr/>
+        </p:nvSpPr>
+        <p:spPr bwMode="auto">
+          <a:xfrm>
+            <a:off x="611560" y="1052736"/>
+            <a:ext cx="8352928" cy="5616624"/>
+          </a:xfrm>
+          <a:prstGeom prst="rect">
+            <a:avLst/>
+          </a:prstGeom>
+          <a:noFill/>
+          <a:ln>
+            <a:noFill/>
+          </a:ln>
+          <a:extLst>
+            <a:ext uri="{909E8E84-426E-40DD-AFC4-6F175D3DCCD1}">
+              <a14:hiddenFill xmlns:a14="http://schemas.microsoft.com/office/drawing/2010/main">
+                <a:solidFill>
+                  <a:srgbClr val="FFFFFF"/>
+                </a:solidFill>
+              </a14:hiddenFill>
+            </a:ext>
+            <a:ext uri="{91240B29-F687-4F45-9708-019B960494DF}">
+              <a14:hiddenLine xmlns:a14="http://schemas.microsoft.com/office/drawing/2010/main" w="9525">
+                <a:solidFill>
+                  <a:srgbClr val="000000"/>
+                </a:solidFill>
+                <a:miter lim="800000"/>
+                <a:headEnd/>
+                <a:tailEnd/>
+              </a14:hiddenLine>
+            </a:ext>
+          </a:extLst>
+        </p:spPr>
+        <p:txBody>
+          <a:bodyPr/>
+          <a:lstStyle>
+            <a:lvl1pPr eaLnBrk="0" hangingPunct="0">
+              <a:spcBef>
+                <a:spcPct val="20000"/>
+              </a:spcBef>
+              <a:buChar char="•"/>
+              <a:defRPr sz="2400" b="1">
+                <a:solidFill>
+                  <a:srgbClr val="A50021"/>
+                </a:solidFill>
+                <a:latin typeface="Arial" pitchFamily="34" charset="0"/>
+                <a:ea typeface="ＭＳ Ｐゴシック" pitchFamily="34" charset="-128"/>
+              </a:defRPr>
+            </a:lvl1pPr>
+            <a:lvl2pPr eaLnBrk="0" hangingPunct="0">
+              <a:spcBef>
+                <a:spcPct val="20000"/>
+              </a:spcBef>
+              <a:buChar char="–"/>
+              <a:defRPr sz="2000">
+                <a:solidFill>
+                  <a:srgbClr val="000066"/>
+                </a:solidFill>
+                <a:latin typeface="Arial" pitchFamily="34" charset="0"/>
+                <a:ea typeface="ＭＳ Ｐゴシック" pitchFamily="34" charset="-128"/>
+              </a:defRPr>
+            </a:lvl2pPr>
+            <a:lvl3pPr eaLnBrk="0" hangingPunct="0">
+              <a:spcBef>
+                <a:spcPct val="20000"/>
+              </a:spcBef>
+              <a:buChar char="•"/>
+              <a:defRPr sz="1600">
+                <a:solidFill>
+                  <a:schemeClr val="tx1"/>
+                </a:solidFill>
+                <a:latin typeface="Arial" pitchFamily="34" charset="0"/>
+                <a:ea typeface="ＭＳ Ｐゴシック" pitchFamily="34" charset="-128"/>
+              </a:defRPr>
+            </a:lvl3pPr>
+            <a:lvl4pPr eaLnBrk="0" hangingPunct="0">
+              <a:spcBef>
+                <a:spcPct val="20000"/>
+              </a:spcBef>
+              <a:buChar char="–"/>
+              <a:defRPr sz="1600">
+                <a:solidFill>
+                  <a:schemeClr val="tx1"/>
+                </a:solidFill>
+                <a:latin typeface="Times New Roman" pitchFamily="18" charset="0"/>
+                <a:ea typeface="ＭＳ Ｐゴシック" pitchFamily="34" charset="-128"/>
+              </a:defRPr>
+            </a:lvl4pPr>
+            <a:lvl5pPr eaLnBrk="0" hangingPunct="0">
+              <a:spcBef>
+                <a:spcPct val="20000"/>
+              </a:spcBef>
+              <a:buChar char="»"/>
+              <a:defRPr sz="1200">
+                <a:solidFill>
+                  <a:schemeClr val="tx1"/>
+                </a:solidFill>
+                <a:latin typeface="Times New Roman" pitchFamily="18" charset="0"/>
+                <a:ea typeface="ＭＳ Ｐゴシック" pitchFamily="34" charset="-128"/>
+              </a:defRPr>
+            </a:lvl5pPr>
+            <a:lvl6pPr eaLnBrk="0" fontAlgn="base" hangingPunct="0">
+              <a:spcBef>
+                <a:spcPct val="20000"/>
+              </a:spcBef>
+              <a:spcAft>
+                <a:spcPct val="0"/>
+              </a:spcAft>
+              <a:buChar char="»"/>
+              <a:defRPr sz="1200">
+                <a:solidFill>
+                  <a:schemeClr val="tx1"/>
+                </a:solidFill>
+                <a:latin typeface="Times New Roman" pitchFamily="18" charset="0"/>
+                <a:ea typeface="ＭＳ Ｐゴシック" pitchFamily="34" charset="-128"/>
+              </a:defRPr>
+            </a:lvl6pPr>
+            <a:lvl7pPr eaLnBrk="0" fontAlgn="base" hangingPunct="0">
+              <a:spcBef>
+                <a:spcPct val="20000"/>
+              </a:spcBef>
+              <a:spcAft>
+                <a:spcPct val="0"/>
+              </a:spcAft>
+              <a:buChar char="»"/>
+              <a:defRPr sz="1200">
+                <a:solidFill>
+                  <a:schemeClr val="tx1"/>
+                </a:solidFill>
+                <a:latin typeface="Times New Roman" pitchFamily="18" charset="0"/>
+                <a:ea typeface="ＭＳ Ｐゴシック" pitchFamily="34" charset="-128"/>
+              </a:defRPr>
+            </a:lvl7pPr>
+            <a:lvl8pPr eaLnBrk="0" fontAlgn="base" hangingPunct="0">
+              <a:spcBef>
+                <a:spcPct val="20000"/>
+              </a:spcBef>
+              <a:spcAft>
+                <a:spcPct val="0"/>
+              </a:spcAft>
+              <a:buChar char="»"/>
+              <a:defRPr sz="1200">
+                <a:solidFill>
+                  <a:schemeClr val="tx1"/>
+                </a:solidFill>
+                <a:latin typeface="Times New Roman" pitchFamily="18" charset="0"/>
+                <a:ea typeface="ＭＳ Ｐゴシック" pitchFamily="34" charset="-128"/>
+              </a:defRPr>
+            </a:lvl8pPr>
+            <a:lvl9pPr eaLnBrk="0" fontAlgn="base" hangingPunct="0">
+              <a:spcBef>
+                <a:spcPct val="20000"/>
+              </a:spcBef>
+              <a:spcAft>
+                <a:spcPct val="0"/>
+              </a:spcAft>
+              <a:buChar char="»"/>
+              <a:defRPr sz="1200">
+                <a:solidFill>
+                  <a:schemeClr val="tx1"/>
+                </a:solidFill>
+                <a:latin typeface="Times New Roman" pitchFamily="18" charset="0"/>
+                <a:ea typeface="ＭＳ Ｐゴシック" pitchFamily="34" charset="-128"/>
+              </a:defRPr>
+            </a:lvl9pPr>
+          </a:lstStyle>
+          <a:p>
+            <a:pPr marL="271463" lvl="1" indent="-271463">
+              <a:spcBef>
+                <a:spcPts val="1800"/>
+              </a:spcBef>
+              <a:buFontTx/>
+              <a:buChar char="•"/>
+            </a:pPr>
+            <a:r>
+              <a:rPr lang="da-DK" altLang="da-DK" sz="1800" b="1" spc="-40" dirty="0" smtClean="0">
+                <a:solidFill>
+                  <a:srgbClr val="A50021"/>
+                </a:solidFill>
+              </a:rPr>
+              <a:t>Raflebæger 2 og Skildpadde 1 afleveres inde på siden </a:t>
+            </a:r>
+            <a:r>
+              <a:rPr lang="da-DK" altLang="da-DK" sz="1800" b="1" spc="-60" dirty="0">
+                <a:solidFill>
+                  <a:srgbClr val="A50021"/>
+                </a:solidFill>
+              </a:rPr>
+              <a:t>”Øvelser (inklusiv afleveringsopgaver”</a:t>
+            </a:r>
+            <a:endParaRPr lang="da-DK" altLang="da-DK" sz="1800" b="1" spc="-40" dirty="0" smtClean="0">
+              <a:solidFill>
+                <a:srgbClr val="A50021"/>
+              </a:solidFill>
+            </a:endParaRPr>
+          </a:p>
+          <a:p>
+            <a:pPr marL="742950" lvl="1" indent="-285750">
+              <a:spcBef>
+                <a:spcPts val="600"/>
+              </a:spcBef>
+            </a:pPr>
+            <a:r>
+              <a:rPr lang="da-DK" altLang="da-DK" sz="1600" dirty="0" smtClean="0"/>
+              <a:t>Husk </a:t>
+            </a:r>
+            <a:r>
+              <a:rPr lang="da-DK" altLang="da-DK" sz="1600" dirty="0"/>
+              <a:t>at bruge testserveren før I afleverer (som beskrevet i </a:t>
+            </a:r>
+            <a:r>
+              <a:rPr lang="da-DK" altLang="da-DK" sz="1600" dirty="0" smtClean="0"/>
+              <a:t>opgaverne)</a:t>
+            </a:r>
+            <a:endParaRPr lang="da-DK" altLang="da-DK" sz="1600" dirty="0"/>
+          </a:p>
+          <a:p>
+            <a:pPr marL="742950" lvl="1" indent="-285750">
+              <a:spcBef>
+                <a:spcPts val="600"/>
+              </a:spcBef>
+              <a:buFontTx/>
+              <a:buChar char="–"/>
+            </a:pPr>
+            <a:r>
+              <a:rPr lang="da-DK" altLang="da-DK" sz="1600" dirty="0" smtClean="0"/>
+              <a:t>Det er nok, at en fra hvert par afleverer (ellers oprettes der to afleveringer, hvor instruktoren kun retter den sidste)</a:t>
+            </a:r>
+          </a:p>
+          <a:p>
+            <a:pPr marL="742950" lvl="1" indent="-285750">
+              <a:spcBef>
+                <a:spcPts val="600"/>
+              </a:spcBef>
+            </a:pPr>
+            <a:r>
+              <a:rPr lang="da-DK" altLang="da-DK" sz="1600" dirty="0"/>
+              <a:t>Når instruktorerne har rettet en opgave, kan I se hans kommentarer samme sted, som I afleverede</a:t>
+            </a:r>
+          </a:p>
+          <a:p>
+            <a:pPr marL="271463" lvl="1" indent="-271463">
+              <a:spcBef>
+                <a:spcPts val="1800"/>
+              </a:spcBef>
+              <a:buFontTx/>
+              <a:buChar char="•"/>
+            </a:pPr>
+            <a:r>
+              <a:rPr lang="da-DK" altLang="da-DK" sz="1800" b="1" spc="-40" dirty="0" smtClean="0">
+                <a:solidFill>
+                  <a:srgbClr val="A50021"/>
+                </a:solidFill>
+              </a:rPr>
+              <a:t>Der </a:t>
+            </a:r>
+            <a:r>
+              <a:rPr lang="da-DK" altLang="da-DK" sz="1800" b="1" spc="-40" dirty="0">
+                <a:solidFill>
+                  <a:srgbClr val="A50021"/>
+                </a:solidFill>
+              </a:rPr>
+              <a:t>er sikkert en del, der vil få </a:t>
+            </a:r>
+            <a:r>
+              <a:rPr lang="da-DK" altLang="da-DK" sz="1800" b="1" spc="-40" dirty="0" smtClean="0">
+                <a:solidFill>
+                  <a:srgbClr val="A50021"/>
+                </a:solidFill>
+              </a:rPr>
+              <a:t>genaflevering </a:t>
+            </a:r>
+            <a:r>
+              <a:rPr lang="da-DK" altLang="da-DK" sz="1800" b="1" spc="-40" dirty="0">
+                <a:solidFill>
+                  <a:srgbClr val="A50021"/>
+                </a:solidFill>
+              </a:rPr>
+              <a:t>– for at rette småting i jeres programmeringsstil</a:t>
+            </a:r>
+          </a:p>
+          <a:p>
+            <a:pPr marL="742950" lvl="1" indent="-285750">
+              <a:spcBef>
+                <a:spcPts val="600"/>
+              </a:spcBef>
+              <a:buFontTx/>
+              <a:buChar char="–"/>
+            </a:pPr>
+            <a:r>
+              <a:rPr lang="da-DK" altLang="da-DK" sz="1600" dirty="0" smtClean="0"/>
+              <a:t>Det skal I ikke lade jer gå på af – det er helt normalt</a:t>
+            </a:r>
+          </a:p>
+          <a:p>
+            <a:pPr marL="271463" lvl="1" indent="-271463">
+              <a:spcBef>
+                <a:spcPts val="1800"/>
+              </a:spcBef>
+              <a:buFontTx/>
+              <a:buChar char="•"/>
+            </a:pPr>
+            <a:r>
+              <a:rPr lang="da-DK" altLang="da-DK" sz="1800" b="1" spc="-40" dirty="0">
+                <a:solidFill>
+                  <a:srgbClr val="A50021"/>
+                </a:solidFill>
+              </a:rPr>
+              <a:t>Instruktorerne tilgår ofte jeres kode via testserveren</a:t>
+            </a:r>
+          </a:p>
+          <a:p>
+            <a:pPr marL="742950" lvl="1" indent="-285750">
+              <a:spcBef>
+                <a:spcPts val="600"/>
+              </a:spcBef>
+              <a:buFontTx/>
+              <a:buChar char="–"/>
+            </a:pPr>
+            <a:r>
+              <a:rPr lang="da-DK" altLang="da-DK" sz="1600" dirty="0" smtClean="0"/>
+              <a:t>Derfor bør den kode der afleveres i </a:t>
+            </a:r>
+            <a:r>
+              <a:rPr lang="da-DK" altLang="da-DK" sz="1600" dirty="0" smtClean="0"/>
+              <a:t>Brightspace </a:t>
+            </a:r>
+            <a:r>
+              <a:rPr lang="da-DK" altLang="da-DK" sz="1600" dirty="0" smtClean="0"/>
+              <a:t>svare til koden i jeres sidste kørsel på testserveren</a:t>
+            </a:r>
+          </a:p>
+          <a:p>
+            <a:pPr marL="271463" lvl="1" indent="-271463">
+              <a:spcBef>
+                <a:spcPts val="1800"/>
+              </a:spcBef>
+              <a:buFontTx/>
+              <a:buChar char="•"/>
+            </a:pPr>
+            <a:r>
+              <a:rPr lang="da-DK" altLang="da-DK" sz="1800" b="1" spc="-40" dirty="0">
+                <a:solidFill>
+                  <a:srgbClr val="A50021"/>
+                </a:solidFill>
+              </a:rPr>
+              <a:t>Lad være med at dele opgaverne imellem jer</a:t>
+            </a:r>
+          </a:p>
+          <a:p>
+            <a:pPr marL="742950" lvl="1" indent="-285750">
+              <a:spcBef>
+                <a:spcPts val="600"/>
+              </a:spcBef>
+              <a:buFontTx/>
+              <a:buChar char="–"/>
+            </a:pPr>
+            <a:r>
+              <a:rPr lang="da-DK" altLang="da-DK" sz="1600" dirty="0" smtClean="0"/>
+              <a:t>Det kan spare lidt tid, men så får I for lidt træning, hvilket vil gøre det vanskeligere og mere tidskrævende at løse de senere opgaver på kurset</a:t>
+            </a:r>
+          </a:p>
+          <a:p>
+            <a:pPr marL="742950" lvl="1" indent="-285750">
+              <a:spcBef>
+                <a:spcPts val="600"/>
+              </a:spcBef>
+              <a:buFontTx/>
+              <a:buChar char="–"/>
+            </a:pPr>
+            <a:r>
+              <a:rPr lang="da-DK" altLang="da-DK" sz="1600" dirty="0" smtClean="0"/>
+              <a:t>Sørg for at </a:t>
+            </a:r>
+            <a:r>
+              <a:rPr lang="da-DK" altLang="da-DK" sz="1600" b="1" dirty="0" smtClean="0">
+                <a:solidFill>
+                  <a:srgbClr val="008000"/>
+                </a:solidFill>
+              </a:rPr>
+              <a:t>begge</a:t>
+            </a:r>
+            <a:r>
+              <a:rPr lang="da-DK" altLang="da-DK" sz="1600" dirty="0" smtClean="0"/>
+              <a:t> deltagere i et par får træning</a:t>
+            </a:r>
+          </a:p>
+        </p:txBody>
+      </p:sp>
+    </p:spTree>
+    <p:extLst>
+      <p:ext uri="{BB962C8B-B14F-4D97-AF65-F5344CB8AC3E}">
+        <p14:creationId xmlns:p14="http://schemas.microsoft.com/office/powerpoint/2010/main" val="1240138285"/>
+      </p:ext>
+    </p:extLst>
+  </p:cSld>
+  <p:clrMapOvr>
+    <a:masterClrMapping/>
+  </p:clrMapOvr>
+  <p:timing>
+    <p:tnLst>
+      <p:par>
+        <p:cTn id="1" dur="indefinite" restart="never" nodeType="tmRoot"/>
       </p:par>
     </p:tnLst>
   </p:timing>
@@ -8104,7 +8117,7 @@
             <a:pPr marL="271463" indent="-271463"/>
             <a:r>
               <a:rPr lang="da-DK" altLang="da-DK" sz="2800" dirty="0" smtClean="0"/>
-              <a:t>De fremtidige afleveringsopgaver</a:t>
+              <a:t>Evaluering af dagens seminar</a:t>
             </a:r>
             <a:endParaRPr lang="da-DK" altLang="da-DK" sz="2800" dirty="0"/>
           </a:p>
@@ -8120,8 +8133,8 @@
         </p:nvSpPr>
         <p:spPr bwMode="auto">
           <a:xfrm>
-            <a:off x="539552" y="1124744"/>
-            <a:ext cx="8352928" cy="5472608"/>
+            <a:off x="459224" y="1052736"/>
+            <a:ext cx="8577271" cy="5328592"/>
           </a:xfrm>
           <a:prstGeom prst="rect">
             <a:avLst/>
@@ -8297,7 +8310,39 @@
                   <a:srgbClr val="A50021"/>
                 </a:solidFill>
               </a:rPr>
-              <a:t>Forelæsningerne kan genses inde på side ”Forelæsningsvideoer”</a:t>
+              <a:t>Er </a:t>
+            </a:r>
+            <a:r>
+              <a:rPr lang="da-DK" altLang="da-DK" sz="1800" b="1" spc="-40" dirty="0">
+                <a:solidFill>
+                  <a:srgbClr val="A50021"/>
+                </a:solidFill>
+              </a:rPr>
+              <a:t>der nogen der har forslag til forbedringer af den </a:t>
+            </a:r>
+            <a:r>
+              <a:rPr lang="da-DK" altLang="da-DK" sz="1800" b="1" spc="-40" dirty="0" smtClean="0">
+                <a:solidFill>
+                  <a:srgbClr val="A50021"/>
+                </a:solidFill>
+              </a:rPr>
+              <a:t>måde, som </a:t>
+            </a:r>
+            <a:r>
+              <a:rPr lang="da-DK" altLang="da-DK" sz="1800" b="1" spc="-40" dirty="0">
+                <a:solidFill>
+                  <a:srgbClr val="A50021"/>
+                </a:solidFill>
+              </a:rPr>
+              <a:t>vi afvikler seminarerne </a:t>
+            </a:r>
+            <a:r>
+              <a:rPr lang="da-DK" altLang="da-DK" sz="1800" b="1" spc="-40" dirty="0" smtClean="0">
+                <a:solidFill>
+                  <a:srgbClr val="A50021"/>
+                </a:solidFill>
+              </a:rPr>
+              <a:t>på?</a:t>
             </a:r>
           </a:p>
           <a:p>
@@ -8308,7 +8353,22 @@
             </a:pPr>
             <a:r>
               <a:rPr lang="da-DK" altLang="da-DK" sz="1600" dirty="0" smtClean="0"/>
-              <a:t>Er der om få minutter</a:t>
+              <a:t>Indhold, hastighed, teknisk afvikling, andet?</a:t>
+            </a:r>
+          </a:p>
+          <a:p>
+            <a:pPr marL="742950" lvl="1" indent="-285750">
+              <a:spcBef>
+                <a:spcPts val="600"/>
+              </a:spcBef>
+            </a:pPr>
+            <a:r>
+              <a:rPr lang="da-DK" altLang="da-DK" sz="1600" dirty="0"/>
+              <a:t>Umiddelbare kommentarer er velkomne – men ellers </a:t>
+            </a:r>
+            <a:r>
+              <a:rPr lang="da-DK" altLang="da-DK" sz="1600" dirty="0" smtClean="0"/>
+              <a:t>skriv på diskussionsforummet, hvis I har ønsker til ændringer/forbedringer</a:t>
             </a:r>
           </a:p>
           <a:p>
@@ -8325,7 +8385,31 @@
                   <a:srgbClr val="A50021"/>
                 </a:solidFill>
               </a:rPr>
-              <a:t>Raflebæger 2 og Skildpadde 1 afleveres inde på siden ”Aflevér opgave”</a:t>
+              <a:t>Husk at I kan </a:t>
+            </a:r>
+            <a:r>
+              <a:rPr lang="da-DK" altLang="da-DK" sz="1800" b="1" spc="-40" dirty="0">
+                <a:solidFill>
+                  <a:srgbClr val="A50021"/>
+                </a:solidFill>
+              </a:rPr>
+              <a:t>arbejde sammen </a:t>
+            </a:r>
+            <a:r>
+              <a:rPr lang="da-DK" altLang="da-DK" sz="1800" b="1" spc="-40" dirty="0" smtClean="0">
+                <a:solidFill>
+                  <a:srgbClr val="A50021"/>
+                </a:solidFill>
+              </a:rPr>
+              <a:t>med jer makker via </a:t>
+            </a:r>
+            <a:r>
+              <a:rPr lang="da-DK" altLang="da-DK" sz="1800" b="1" spc="-40" dirty="0">
+                <a:solidFill>
+                  <a:srgbClr val="A50021"/>
+                </a:solidFill>
+              </a:rPr>
+              <a:t>Zoom</a:t>
             </a:r>
           </a:p>
           <a:p>
@@ -8335,18 +8419,119 @@
               </a:spcBef>
             </a:pPr>
             <a:r>
+              <a:rPr lang="da-DK" altLang="da-DK" sz="1600" dirty="0"/>
+              <a:t>På siden ”Installation og brug af Zoom” under ”Info om kurset (inklusiv nyttige links” er det </a:t>
+            </a:r>
+            <a:r>
               <a:rPr lang="da-DK" altLang="da-DK" sz="1600" dirty="0" smtClean="0"/>
+              <a:t>forklaret, </a:t>
+            </a:r>
+            <a:r>
+              <a:rPr lang="da-DK" altLang="da-DK" sz="1600" dirty="0"/>
+              <a:t>hvordan man selv laver et </a:t>
+            </a:r>
+            <a:r>
+              <a:rPr lang="da-DK" altLang="da-DK" sz="1600" dirty="0" smtClean="0"/>
+              <a:t>møde</a:t>
+            </a:r>
+            <a:endParaRPr lang="da-DK" altLang="da-DK" sz="1600" dirty="0"/>
+          </a:p>
+          <a:p>
+            <a:pPr marL="271463" lvl="1" indent="-271463">
+              <a:spcBef>
+                <a:spcPts val="1800"/>
+              </a:spcBef>
+              <a:buFontTx/>
+              <a:buChar char="•"/>
+            </a:pPr>
+            <a:r>
+              <a:rPr lang="da-DK" altLang="da-DK" sz="1800" b="1" spc="-40" dirty="0" smtClean="0">
+                <a:solidFill>
+                  <a:srgbClr val="A50021"/>
+                </a:solidFill>
+              </a:rPr>
               <a:t>Husk </a:t>
             </a:r>
             <a:r>
+              <a:rPr lang="da-DK" altLang="da-DK" sz="1800" b="1" spc="-40" dirty="0">
+                <a:solidFill>
+                  <a:srgbClr val="A50021"/>
+                </a:solidFill>
+              </a:rPr>
+              <a:t>at bruge </a:t>
+            </a:r>
+            <a:r>
+              <a:rPr lang="da-DK" altLang="da-DK" sz="1800" b="1" spc="-40" dirty="0" smtClean="0">
+                <a:solidFill>
+                  <a:srgbClr val="A50021"/>
+                </a:solidFill>
+              </a:rPr>
+              <a:t>diskussionsforummet </a:t>
+            </a:r>
+            <a:r>
+              <a:rPr lang="da-DK" altLang="da-DK" sz="1800" b="1" spc="-40" dirty="0">
+                <a:solidFill>
+                  <a:srgbClr val="A50021"/>
+                </a:solidFill>
+              </a:rPr>
+              <a:t>– der får I hurtigt </a:t>
+            </a:r>
+            <a:r>
+              <a:rPr lang="da-DK" altLang="da-DK" sz="1800" b="1" spc="-40" dirty="0" smtClean="0">
+                <a:solidFill>
+                  <a:srgbClr val="A50021"/>
+                </a:solidFill>
+              </a:rPr>
+              <a:t>svar (også aften/weekender)</a:t>
+            </a:r>
+            <a:endParaRPr lang="da-DK" altLang="da-DK" sz="1800" b="1" spc="-40" dirty="0">
+              <a:solidFill>
+                <a:srgbClr val="A50021"/>
+              </a:solidFill>
+            </a:endParaRPr>
+          </a:p>
+          <a:p>
+            <a:pPr marL="742950" lvl="1" indent="-285750">
+              <a:spcBef>
+                <a:spcPts val="600"/>
+              </a:spcBef>
+            </a:pPr>
+            <a:r>
               <a:rPr lang="da-DK" altLang="da-DK" sz="1600" dirty="0"/>
-              <a:t>at bruge testserveren før I afleverer (som beskrevet i </a:t>
+              <a:t>I må også meget gerne svare hinanden</a:t>
+            </a:r>
+          </a:p>
+          <a:p>
+            <a:pPr marL="742950" lvl="1" indent="-285750">
+              <a:spcBef>
+                <a:spcPts val="600"/>
+              </a:spcBef>
+            </a:pPr>
+            <a:r>
+              <a:rPr lang="da-DK" altLang="da-DK" sz="1600" dirty="0"/>
+              <a:t>Vi vil nødigt have mails fra jer (med mindre det er om ting, der ikke vedrører andre</a:t>
             </a:r>
             <a:r>
               <a:rPr lang="da-DK" altLang="da-DK" sz="1600" dirty="0" smtClean="0"/>
-              <a:t>opgaverne)</a:t>
-            </a:r>
-            <a:endParaRPr lang="da-DK" altLang="da-DK" sz="1600" dirty="0"/>
+              <a:t>)</a:t>
+            </a:r>
+          </a:p>
+          <a:p>
+            <a:pPr marL="271463" lvl="1" indent="-271463">
+              <a:spcBef>
+                <a:spcPts val="1800"/>
+              </a:spcBef>
+              <a:buFontTx/>
+              <a:buChar char="•"/>
+            </a:pPr>
+            <a:r>
+              <a:rPr lang="da-DK" altLang="da-DK" sz="1800" b="1" spc="-40" dirty="0" smtClean="0">
+                <a:solidFill>
+                  <a:srgbClr val="A50021"/>
+                </a:solidFill>
+              </a:rPr>
+              <a:t>Deltag i den virtuelle studiecafé, hvis I har behov for hjælp</a:t>
+            </a:r>
           </a:p>
           <a:p>
             <a:pPr marL="742950" lvl="1" indent="-285750">
@@ -8357,8 +8542,12 @@
               <a:buChar char="–"/>
             </a:pPr>
             <a:r>
+              <a:rPr lang="da-DK" altLang="da-DK" sz="1600" dirty="0"/>
+              <a:t>Fredag </a:t>
+            </a:r>
+            <a:r>
               <a:rPr lang="da-DK" altLang="da-DK" sz="1600" dirty="0" smtClean="0"/>
-              <a:t>Det er nok, at en fra hvert par afleverer i Blackboard (ellers oprettes der to afleveringer, hvor instruktoren kun retter den sidste)</a:t>
+              <a:t>fra kl 15.30 til ca. 17.00</a:t>
             </a:r>
           </a:p>
           <a:p>
@@ -8366,693 +8555,23 @@
               <a:spcBef>
                 <a:spcPts val="600"/>
               </a:spcBef>
-              <a:buFontTx/>
-              <a:buChar char="–"/>
             </a:pPr>
             <a:r>
-              <a:rPr lang="da-DK" altLang="da-DK" sz="1600" dirty="0" smtClean="0"/>
-              <a:t>Når instruktorerne har rettet en opgave, får I en notifikation i Blackboard – som giver jer adgang til instruktorens kommentarer</a:t>
-            </a:r>
-          </a:p>
-          <a:p>
-            <a:pPr marL="271463" lvl="1" indent="-271463">
-              <a:spcBef>
-                <a:spcPts val="1800"/>
-              </a:spcBef>
-              <a:buFontTx/>
-              <a:buChar char="•"/>
-            </a:pPr>
-            <a:r>
-              <a:rPr lang="da-DK" altLang="da-DK" sz="1800" b="1" spc="-40" dirty="0">
-                <a:solidFill>
-                  <a:srgbClr val="A50021"/>
-                </a:solidFill>
-              </a:rPr>
-              <a:t>Der er sikkert en del, der vil få </a:t>
-            </a:r>
-            <a:r>
-              <a:rPr lang="da-DK" altLang="da-DK" sz="1800" b="1" spc="-40" dirty="0" smtClean="0">
-                <a:solidFill>
-                  <a:srgbClr val="A50021"/>
-                </a:solidFill>
-              </a:rPr>
-              <a:t>genaflevering </a:t>
-            </a:r>
-            <a:r>
-              <a:rPr lang="da-DK" altLang="da-DK" sz="1800" b="1" spc="-40" dirty="0">
-                <a:solidFill>
-                  <a:srgbClr val="A50021"/>
-                </a:solidFill>
-              </a:rPr>
-              <a:t>– for at rette småting i jeres programmeringsstil</a:t>
-            </a:r>
-          </a:p>
-          <a:p>
-            <a:pPr marL="742950" lvl="1" indent="-285750">
-              <a:spcBef>
-                <a:spcPts val="600"/>
-              </a:spcBef>
-              <a:buFontTx/>
-              <a:buChar char="–"/>
-            </a:pPr>
-            <a:r>
-              <a:rPr lang="da-DK" altLang="da-DK" sz="1600" dirty="0" smtClean="0"/>
-              <a:t>Det skal I ikke lade jer gå på af – det er helt normalt</a:t>
-            </a:r>
-          </a:p>
-          <a:p>
-            <a:pPr marL="271463" lvl="1" indent="-271463">
-              <a:spcBef>
-                <a:spcPts val="1800"/>
-              </a:spcBef>
-              <a:buFontTx/>
-              <a:buChar char="•"/>
-            </a:pPr>
-            <a:r>
-              <a:rPr lang="da-DK" altLang="da-DK" sz="1800" b="1" spc="-40" dirty="0">
-                <a:solidFill>
-                  <a:srgbClr val="A50021"/>
-                </a:solidFill>
-              </a:rPr>
-              <a:t>Instruktorerne tilgår ofte jeres kode via testserveren</a:t>
-            </a:r>
-          </a:p>
-          <a:p>
-            <a:pPr marL="742950" lvl="1" indent="-285750">
-              <a:spcBef>
-                <a:spcPts val="600"/>
-              </a:spcBef>
-              <a:buFontTx/>
-              <a:buChar char="–"/>
-            </a:pPr>
-            <a:r>
-              <a:rPr lang="da-DK" altLang="da-DK" sz="1600" dirty="0" smtClean="0"/>
-              <a:t>Derfor bør den kode der afleveres i Blackboard svare til koden i jeres sidste kørsel på testserveren</a:t>
-            </a:r>
-          </a:p>
-        </p:txBody>
-      </p:sp>
-    </p:spTree>
-    <p:extLst>
-      <p:ext uri="{BB962C8B-B14F-4D97-AF65-F5344CB8AC3E}">
-        <p14:creationId xmlns:p14="http://schemas.microsoft.com/office/powerpoint/2010/main" val="1240138285"/>
-      </p:ext>
-    </p:extLst>
-  </p:cSld>
-  <p:clrMapOvr>
-    <a:masterClrMapping/>
-  </p:clrMapOvr>
-  <p:timing>
-    <p:tnLst>
-      <p:par>
-        <p:cTn id="1" dur="indefinite" restart="never" nodeType="tmRoot"/>
-      </p:par>
-    </p:tnLst>
-  </p:timing>
-</p:sld>
-</file>
-
-<file path=ppt/slides/slide7.xml><?xml version="1.0" encoding="utf-8"?>
-<p:sld xmlns:a="http://schemas.openxmlformats.org/drawingml/2006/main" xmlns:r="http://schemas.openxmlformats.org/officeDocument/2006/relationships" xmlns:p="http://schemas.openxmlformats.org/presentationml/2006/main">
-  <p:cSld>
-    <p:spTree>
-      <p:nvGrpSpPr>
-        <p:cNvPr id="1" name=""/>
-        <p:cNvGrpSpPr/>
-        <p:nvPr/>
-      </p:nvGrpSpPr>
-      <p:grpSpPr>
-        <a:xfrm>
-          <a:off x="0" y="0"/>
-          <a:ext cx="0" cy="0"/>
-          <a:chOff x="0" y="0"/>
-          <a:chExt cx="0" cy="0"/>
-        </a:xfrm>
-      </p:grpSpPr>
-      <p:sp>
-        <p:nvSpPr>
-          <p:cNvPr id="4" name="Title 1"/>
-          <p:cNvSpPr txBox="1">
-            <a:spLocks/>
-          </p:cNvSpPr>
-          <p:nvPr/>
-        </p:nvSpPr>
-        <p:spPr bwMode="auto">
-          <a:xfrm>
-            <a:off x="459225" y="260349"/>
-            <a:ext cx="8793295" cy="682625"/>
-          </a:xfrm>
-          <a:prstGeom prst="rect">
-            <a:avLst/>
-          </a:prstGeom>
-          <a:noFill/>
-          <a:ln>
-            <a:noFill/>
-          </a:ln>
-          <a:extLst>
-            <a:ext uri="{909E8E84-426E-40DD-AFC4-6F175D3DCCD1}">
-              <a14:hiddenFill xmlns:a14="http://schemas.microsoft.com/office/drawing/2010/main">
-                <a:solidFill>
-                  <a:srgbClr val="FFFFFF"/>
-                </a:solidFill>
-              </a14:hiddenFill>
-            </a:ext>
-            <a:ext uri="{91240B29-F687-4F45-9708-019B960494DF}">
-              <a14:hiddenLine xmlns:a14="http://schemas.microsoft.com/office/drawing/2010/main" w="9525">
-                <a:solidFill>
-                  <a:srgbClr val="000000"/>
-                </a:solidFill>
-                <a:miter lim="800000"/>
-                <a:headEnd/>
-                <a:tailEnd/>
-              </a14:hiddenLine>
-            </a:ext>
-          </a:extLst>
-        </p:spPr>
-        <p:txBody>
-          <a:bodyPr anchor="ctr"/>
-          <a:lstStyle>
-            <a:lvl1pPr algn="l" rtl="0" eaLnBrk="0" fontAlgn="base" hangingPunct="0">
-              <a:spcBef>
-                <a:spcPct val="0"/>
-              </a:spcBef>
-              <a:spcAft>
-                <a:spcPct val="0"/>
-              </a:spcAft>
-              <a:defRPr sz="3600" b="1">
-                <a:solidFill>
-                  <a:srgbClr val="000066"/>
-                </a:solidFill>
-                <a:latin typeface="+mj-lt"/>
-                <a:ea typeface="ＭＳ Ｐゴシック" pitchFamily="-107" charset="-128"/>
-                <a:cs typeface="ＭＳ Ｐゴシック" pitchFamily="-107" charset="-128"/>
-              </a:defRPr>
-            </a:lvl1pPr>
-            <a:lvl2pPr algn="l" rtl="0" eaLnBrk="0" fontAlgn="base" hangingPunct="0">
-              <a:spcBef>
-                <a:spcPct val="0"/>
-              </a:spcBef>
-              <a:spcAft>
-                <a:spcPct val="0"/>
-              </a:spcAft>
-              <a:defRPr sz="3600" b="1">
-                <a:solidFill>
-                  <a:srgbClr val="000066"/>
-                </a:solidFill>
-                <a:latin typeface="Arial" charset="0"/>
-                <a:ea typeface="ＭＳ Ｐゴシック" pitchFamily="-107" charset="-128"/>
-                <a:cs typeface="ＭＳ Ｐゴシック" pitchFamily="-107" charset="-128"/>
-              </a:defRPr>
-            </a:lvl2pPr>
-            <a:lvl3pPr algn="l" rtl="0" eaLnBrk="0" fontAlgn="base" hangingPunct="0">
-              <a:spcBef>
-                <a:spcPct val="0"/>
-              </a:spcBef>
-              <a:spcAft>
-                <a:spcPct val="0"/>
-              </a:spcAft>
-              <a:defRPr sz="3600" b="1">
-                <a:solidFill>
-                  <a:srgbClr val="000066"/>
-                </a:solidFill>
-                <a:latin typeface="Arial" charset="0"/>
-                <a:ea typeface="ＭＳ Ｐゴシック" pitchFamily="-107" charset="-128"/>
-                <a:cs typeface="ＭＳ Ｐゴシック" pitchFamily="-107" charset="-128"/>
-              </a:defRPr>
-            </a:lvl3pPr>
-            <a:lvl4pPr algn="l" rtl="0" eaLnBrk="0" fontAlgn="base" hangingPunct="0">
-              <a:spcBef>
-                <a:spcPct val="0"/>
-              </a:spcBef>
-              <a:spcAft>
-                <a:spcPct val="0"/>
-              </a:spcAft>
-              <a:defRPr sz="3600" b="1">
-                <a:solidFill>
-                  <a:srgbClr val="000066"/>
-                </a:solidFill>
-                <a:latin typeface="Arial" charset="0"/>
-                <a:ea typeface="ＭＳ Ｐゴシック" pitchFamily="-107" charset="-128"/>
-                <a:cs typeface="ＭＳ Ｐゴシック" pitchFamily="-107" charset="-128"/>
-              </a:defRPr>
-            </a:lvl4pPr>
-            <a:lvl5pPr algn="l" rtl="0" eaLnBrk="0" fontAlgn="base" hangingPunct="0">
-              <a:spcBef>
-                <a:spcPct val="0"/>
-              </a:spcBef>
-              <a:spcAft>
-                <a:spcPct val="0"/>
-              </a:spcAft>
-              <a:defRPr sz="3600" b="1">
-                <a:solidFill>
-                  <a:srgbClr val="000066"/>
-                </a:solidFill>
-                <a:latin typeface="Arial" charset="0"/>
-                <a:ea typeface="ＭＳ Ｐゴシック" pitchFamily="-107" charset="-128"/>
-                <a:cs typeface="ＭＳ Ｐゴシック" pitchFamily="-107" charset="-128"/>
-              </a:defRPr>
-            </a:lvl5pPr>
-            <a:lvl6pPr marL="457200" algn="l" rtl="0" fontAlgn="base">
-              <a:spcBef>
-                <a:spcPct val="0"/>
-              </a:spcBef>
-              <a:spcAft>
-                <a:spcPct val="0"/>
-              </a:spcAft>
-              <a:defRPr sz="3600" b="1">
-                <a:solidFill>
-                  <a:srgbClr val="000066"/>
-                </a:solidFill>
-                <a:latin typeface="Arial" charset="0"/>
-              </a:defRPr>
-            </a:lvl6pPr>
-            <a:lvl7pPr marL="914400" algn="l" rtl="0" fontAlgn="base">
-              <a:spcBef>
-                <a:spcPct val="0"/>
-              </a:spcBef>
-              <a:spcAft>
-                <a:spcPct val="0"/>
-              </a:spcAft>
-              <a:defRPr sz="3600" b="1">
-                <a:solidFill>
-                  <a:srgbClr val="000066"/>
-                </a:solidFill>
-                <a:latin typeface="Arial" charset="0"/>
-              </a:defRPr>
-            </a:lvl7pPr>
-            <a:lvl8pPr marL="1371600" algn="l" rtl="0" fontAlgn="base">
-              <a:spcBef>
-                <a:spcPct val="0"/>
-              </a:spcBef>
-              <a:spcAft>
-                <a:spcPct val="0"/>
-              </a:spcAft>
-              <a:defRPr sz="3600" b="1">
-                <a:solidFill>
-                  <a:srgbClr val="000066"/>
-                </a:solidFill>
-                <a:latin typeface="Arial" charset="0"/>
-              </a:defRPr>
-            </a:lvl8pPr>
-            <a:lvl9pPr marL="1828800" algn="l" rtl="0" fontAlgn="base">
-              <a:spcBef>
-                <a:spcPct val="0"/>
-              </a:spcBef>
-              <a:spcAft>
-                <a:spcPct val="0"/>
-              </a:spcAft>
-              <a:defRPr sz="3600" b="1">
-                <a:solidFill>
-                  <a:srgbClr val="000066"/>
-                </a:solidFill>
-                <a:latin typeface="Arial" charset="0"/>
-              </a:defRPr>
-            </a:lvl9pPr>
-          </a:lstStyle>
-          <a:p>
-            <a:pPr marL="271463" indent="-271463"/>
-            <a:r>
-              <a:rPr lang="da-DK" altLang="da-DK" sz="2800" dirty="0" smtClean="0"/>
-              <a:t>Evaluering</a:t>
-            </a:r>
-            <a:endParaRPr lang="da-DK" altLang="da-DK" sz="2800" dirty="0"/>
-          </a:p>
-        </p:txBody>
-      </p:sp>
-      <p:sp>
-        <p:nvSpPr>
-          <p:cNvPr id="5" name="Content Placeholder 2"/>
-          <p:cNvSpPr txBox="1">
-            <a:spLocks/>
-          </p:cNvSpPr>
-          <p:nvPr/>
-        </p:nvSpPr>
-        <p:spPr bwMode="auto">
-          <a:xfrm>
-            <a:off x="459225" y="1052736"/>
-            <a:ext cx="8352928" cy="4464496"/>
-          </a:xfrm>
-          <a:prstGeom prst="rect">
-            <a:avLst/>
-          </a:prstGeom>
-          <a:noFill/>
-          <a:ln>
-            <a:noFill/>
-          </a:ln>
-          <a:extLst>
-            <a:ext uri="{909E8E84-426E-40DD-AFC4-6F175D3DCCD1}">
-              <a14:hiddenFill xmlns:a14="http://schemas.microsoft.com/office/drawing/2010/main">
-                <a:solidFill>
-                  <a:srgbClr val="FFFFFF"/>
-                </a:solidFill>
-              </a14:hiddenFill>
-            </a:ext>
-            <a:ext uri="{91240B29-F687-4F45-9708-019B960494DF}">
-              <a14:hiddenLine xmlns:a14="http://schemas.microsoft.com/office/drawing/2010/main" w="9525">
-                <a:solidFill>
-                  <a:srgbClr val="000000"/>
-                </a:solidFill>
-                <a:miter lim="800000"/>
-                <a:headEnd/>
-                <a:tailEnd/>
-              </a14:hiddenLine>
-            </a:ext>
-          </a:extLst>
-        </p:spPr>
-        <p:txBody>
-          <a:bodyPr/>
-          <a:lstStyle>
-            <a:lvl1pPr eaLnBrk="0" hangingPunct="0">
-              <a:spcBef>
-                <a:spcPct val="20000"/>
-              </a:spcBef>
-              <a:buChar char="•"/>
-              <a:defRPr sz="2400" b="1">
-                <a:solidFill>
-                  <a:srgbClr val="A50021"/>
-                </a:solidFill>
-                <a:latin typeface="Arial" pitchFamily="34" charset="0"/>
-                <a:ea typeface="ＭＳ Ｐゴシック" pitchFamily="34" charset="-128"/>
-              </a:defRPr>
-            </a:lvl1pPr>
-            <a:lvl2pPr eaLnBrk="0" hangingPunct="0">
-              <a:spcBef>
-                <a:spcPct val="20000"/>
-              </a:spcBef>
-              <a:buChar char="–"/>
-              <a:defRPr sz="2000">
-                <a:solidFill>
-                  <a:srgbClr val="000066"/>
-                </a:solidFill>
-                <a:latin typeface="Arial" pitchFamily="34" charset="0"/>
-                <a:ea typeface="ＭＳ Ｐゴシック" pitchFamily="34" charset="-128"/>
-              </a:defRPr>
-            </a:lvl2pPr>
-            <a:lvl3pPr eaLnBrk="0" hangingPunct="0">
-              <a:spcBef>
-                <a:spcPct val="20000"/>
-              </a:spcBef>
-              <a:buChar char="•"/>
-              <a:defRPr sz="1600">
-                <a:solidFill>
-                  <a:schemeClr val="tx1"/>
-                </a:solidFill>
-                <a:latin typeface="Arial" pitchFamily="34" charset="0"/>
-                <a:ea typeface="ＭＳ Ｐゴシック" pitchFamily="34" charset="-128"/>
-              </a:defRPr>
-            </a:lvl3pPr>
-            <a:lvl4pPr eaLnBrk="0" hangingPunct="0">
-              <a:spcBef>
-                <a:spcPct val="20000"/>
-              </a:spcBef>
-              <a:buChar char="–"/>
-              <a:defRPr sz="1600">
-                <a:solidFill>
-                  <a:schemeClr val="tx1"/>
-                </a:solidFill>
-                <a:latin typeface="Times New Roman" pitchFamily="18" charset="0"/>
-                <a:ea typeface="ＭＳ Ｐゴシック" pitchFamily="34" charset="-128"/>
-              </a:defRPr>
-            </a:lvl4pPr>
-            <a:lvl5pPr eaLnBrk="0" hangingPunct="0">
-              <a:spcBef>
-                <a:spcPct val="20000"/>
-              </a:spcBef>
-              <a:buChar char="»"/>
-              <a:defRPr sz="1200">
-                <a:solidFill>
-                  <a:schemeClr val="tx1"/>
-                </a:solidFill>
-                <a:latin typeface="Times New Roman" pitchFamily="18" charset="0"/>
-                <a:ea typeface="ＭＳ Ｐゴシック" pitchFamily="34" charset="-128"/>
-              </a:defRPr>
-            </a:lvl5pPr>
-            <a:lvl6pPr eaLnBrk="0" fontAlgn="base" hangingPunct="0">
-              <a:spcBef>
-                <a:spcPct val="20000"/>
-              </a:spcBef>
-              <a:spcAft>
-                <a:spcPct val="0"/>
-              </a:spcAft>
-              <a:buChar char="»"/>
-              <a:defRPr sz="1200">
-                <a:solidFill>
-                  <a:schemeClr val="tx1"/>
-                </a:solidFill>
-                <a:latin typeface="Times New Roman" pitchFamily="18" charset="0"/>
-                <a:ea typeface="ＭＳ Ｐゴシック" pitchFamily="34" charset="-128"/>
-              </a:defRPr>
-            </a:lvl6pPr>
-            <a:lvl7pPr eaLnBrk="0" fontAlgn="base" hangingPunct="0">
-              <a:spcBef>
-                <a:spcPct val="20000"/>
-              </a:spcBef>
-              <a:spcAft>
-                <a:spcPct val="0"/>
-              </a:spcAft>
-              <a:buChar char="»"/>
-              <a:defRPr sz="1200">
-                <a:solidFill>
-                  <a:schemeClr val="tx1"/>
-                </a:solidFill>
-                <a:latin typeface="Times New Roman" pitchFamily="18" charset="0"/>
-                <a:ea typeface="ＭＳ Ｐゴシック" pitchFamily="34" charset="-128"/>
-              </a:defRPr>
-            </a:lvl7pPr>
-            <a:lvl8pPr eaLnBrk="0" fontAlgn="base" hangingPunct="0">
-              <a:spcBef>
-                <a:spcPct val="20000"/>
-              </a:spcBef>
-              <a:spcAft>
-                <a:spcPct val="0"/>
-              </a:spcAft>
-              <a:buChar char="»"/>
-              <a:defRPr sz="1200">
-                <a:solidFill>
-                  <a:schemeClr val="tx1"/>
-                </a:solidFill>
-                <a:latin typeface="Times New Roman" pitchFamily="18" charset="0"/>
-                <a:ea typeface="ＭＳ Ｐゴシック" pitchFamily="34" charset="-128"/>
-              </a:defRPr>
-            </a:lvl8pPr>
-            <a:lvl9pPr eaLnBrk="0" fontAlgn="base" hangingPunct="0">
-              <a:spcBef>
-                <a:spcPct val="20000"/>
-              </a:spcBef>
-              <a:spcAft>
-                <a:spcPct val="0"/>
-              </a:spcAft>
-              <a:buChar char="»"/>
-              <a:defRPr sz="1200">
-                <a:solidFill>
-                  <a:schemeClr val="tx1"/>
-                </a:solidFill>
-                <a:latin typeface="Times New Roman" pitchFamily="18" charset="0"/>
-                <a:ea typeface="ＭＳ Ｐゴシック" pitchFamily="34" charset="-128"/>
-              </a:defRPr>
-            </a:lvl9pPr>
-          </a:lstStyle>
-          <a:p>
-            <a:pPr marL="271463" lvl="1" indent="-271463">
-              <a:spcBef>
-                <a:spcPts val="1800"/>
-              </a:spcBef>
-              <a:buFontTx/>
-              <a:buChar char="•"/>
-            </a:pPr>
-            <a:r>
-              <a:rPr lang="da-DK" altLang="da-DK" sz="1800" b="1" spc="-40" dirty="0" smtClean="0">
-                <a:solidFill>
-                  <a:srgbClr val="A50021"/>
-                </a:solidFill>
-              </a:rPr>
-              <a:t>Er </a:t>
-            </a:r>
-            <a:r>
-              <a:rPr lang="da-DK" altLang="da-DK" sz="1800" b="1" spc="-40" dirty="0">
-                <a:solidFill>
-                  <a:srgbClr val="A50021"/>
-                </a:solidFill>
-              </a:rPr>
-              <a:t>der nogen der har forslag til forbedringer af den </a:t>
-            </a:r>
-            <a:r>
-              <a:rPr lang="da-DK" altLang="da-DK" sz="1800" b="1" spc="-40" dirty="0" smtClean="0">
-                <a:solidFill>
-                  <a:srgbClr val="A50021"/>
-                </a:solidFill>
-              </a:rPr>
-              <a:t>måde, som </a:t>
-            </a:r>
-            <a:r>
-              <a:rPr lang="da-DK" altLang="da-DK" sz="1800" b="1" spc="-40" dirty="0">
-                <a:solidFill>
-                  <a:srgbClr val="A50021"/>
-                </a:solidFill>
-              </a:rPr>
-              <a:t>vi afvikler seminarerne </a:t>
-            </a:r>
-            <a:r>
-              <a:rPr lang="da-DK" altLang="da-DK" sz="1800" b="1" spc="-40" dirty="0" smtClean="0">
-                <a:solidFill>
-                  <a:srgbClr val="A50021"/>
-                </a:solidFill>
-              </a:rPr>
-              <a:t>på?</a:t>
-            </a:r>
-          </a:p>
-          <a:p>
-            <a:pPr marL="742950" lvl="1" indent="-285750">
-              <a:spcBef>
-                <a:spcPts val="600"/>
-              </a:spcBef>
-            </a:pPr>
-            <a:r>
-              <a:rPr lang="da-DK" altLang="da-DK" sz="1600" dirty="0" smtClean="0"/>
-              <a:t>Indhold, hastighed, teknisk afvikling, andet?</a:t>
-            </a:r>
-          </a:p>
-          <a:p>
-            <a:pPr marL="742950" lvl="1" indent="-285750">
-              <a:spcBef>
-                <a:spcPts val="600"/>
-              </a:spcBef>
-            </a:pPr>
-            <a:r>
-              <a:rPr lang="da-DK" altLang="da-DK" sz="1600" dirty="0"/>
-              <a:t>Umiddelbare kommentarer er velkomne – men ellers </a:t>
-            </a:r>
-            <a:r>
-              <a:rPr lang="da-DK" altLang="da-DK" sz="1600" dirty="0" smtClean="0"/>
-              <a:t>skriv på webboardet, hvis I har ønsker til ændringer/forbedringer</a:t>
-            </a:r>
-          </a:p>
-          <a:p>
-            <a:pPr lvl="1">
-              <a:spcBef>
-                <a:spcPts val="600"/>
-              </a:spcBef>
-              <a:buNone/>
-            </a:pPr>
-            <a:endParaRPr lang="da-DK" altLang="da-DK" sz="1600" dirty="0" smtClean="0"/>
-          </a:p>
-          <a:p>
-            <a:pPr marL="271463" lvl="1" indent="-271463">
-              <a:spcBef>
-                <a:spcPts val="1800"/>
-              </a:spcBef>
-              <a:buFontTx/>
-              <a:buChar char="•"/>
-            </a:pPr>
-            <a:r>
-              <a:rPr lang="da-DK" altLang="da-DK" sz="1800" b="1" spc="-40" dirty="0" smtClean="0">
-                <a:solidFill>
-                  <a:srgbClr val="A50021"/>
-                </a:solidFill>
-              </a:rPr>
-              <a:t>Husk at I kan </a:t>
-            </a:r>
-            <a:r>
-              <a:rPr lang="da-DK" altLang="da-DK" sz="1800" b="1" spc="-40" dirty="0">
-                <a:solidFill>
-                  <a:srgbClr val="A50021"/>
-                </a:solidFill>
-              </a:rPr>
-              <a:t>arbejde sammen </a:t>
-            </a:r>
-            <a:r>
-              <a:rPr lang="da-DK" altLang="da-DK" sz="1800" b="1" spc="-40" dirty="0" smtClean="0">
-                <a:solidFill>
-                  <a:srgbClr val="A50021"/>
-                </a:solidFill>
-              </a:rPr>
-              <a:t>med jer makker via </a:t>
-            </a:r>
-            <a:r>
-              <a:rPr lang="da-DK" altLang="da-DK" sz="1800" b="1" spc="-40" dirty="0">
-                <a:solidFill>
-                  <a:srgbClr val="A50021"/>
-                </a:solidFill>
-              </a:rPr>
-              <a:t>Zoom</a:t>
-            </a:r>
-          </a:p>
-          <a:p>
-            <a:pPr marL="742950" lvl="1" indent="-285750">
-              <a:spcBef>
-                <a:spcPts val="600"/>
-              </a:spcBef>
-            </a:pPr>
-            <a:r>
-              <a:rPr lang="da-DK" altLang="da-DK" sz="1600" dirty="0"/>
-              <a:t>I det dokument, der er på siden ”Brug af Zoom” er det forklaret hvordan man selv laver et </a:t>
-            </a:r>
-            <a:r>
-              <a:rPr lang="da-DK" altLang="da-DK" sz="1600" dirty="0" smtClean="0"/>
-              <a:t>møde</a:t>
-            </a:r>
-          </a:p>
-          <a:p>
-            <a:pPr marL="742950" lvl="1" indent="-285750">
-              <a:spcBef>
-                <a:spcPts val="600"/>
-              </a:spcBef>
-            </a:pPr>
-            <a:endParaRPr lang="da-DK" altLang="da-DK" sz="1600" dirty="0"/>
-          </a:p>
-          <a:p>
-            <a:pPr marL="271463" lvl="1" indent="-271463">
-              <a:spcBef>
-                <a:spcPts val="1800"/>
-              </a:spcBef>
-              <a:buFontTx/>
-              <a:buChar char="•"/>
-            </a:pPr>
-            <a:r>
-              <a:rPr lang="da-DK" altLang="da-DK" sz="1800" b="1" spc="-40" dirty="0" smtClean="0">
-                <a:solidFill>
-                  <a:srgbClr val="A50021"/>
-                </a:solidFill>
-              </a:rPr>
-              <a:t>Husk </a:t>
-            </a:r>
-            <a:r>
-              <a:rPr lang="da-DK" altLang="da-DK" sz="1800" b="1" spc="-40" dirty="0">
-                <a:solidFill>
-                  <a:srgbClr val="A50021"/>
-                </a:solidFill>
-              </a:rPr>
-              <a:t>at bruge webboardet – der får I hurtigt svar</a:t>
-            </a:r>
-          </a:p>
-          <a:p>
-            <a:pPr marL="742950" lvl="1" indent="-285750">
-              <a:spcBef>
-                <a:spcPts val="600"/>
-              </a:spcBef>
-            </a:pPr>
-            <a:r>
-              <a:rPr lang="da-DK" altLang="da-DK" sz="1600" dirty="0"/>
-              <a:t>I må også meget gerne svare hinanden</a:t>
-            </a:r>
-          </a:p>
-          <a:p>
-            <a:pPr marL="742950" lvl="1" indent="-285750">
-              <a:spcBef>
-                <a:spcPts val="600"/>
-              </a:spcBef>
-            </a:pPr>
-            <a:r>
-              <a:rPr lang="da-DK" altLang="da-DK" sz="1600" dirty="0"/>
-              <a:t>Vi vil nødigt have mails fra jer (med mindre det er om ting, der ikke vedrører andre)</a:t>
-            </a:r>
-          </a:p>
-          <a:p>
-            <a:pPr marL="742950" lvl="1" indent="-285750">
-              <a:spcBef>
-                <a:spcPts val="600"/>
-              </a:spcBef>
-            </a:pPr>
+              <a:rPr lang="da-DK" sz="1600" dirty="0"/>
+              <a:t>Kom så tidligt som muligt. </a:t>
+            </a:r>
+            <a:r>
+              <a:rPr lang="da-DK" sz="1600" dirty="0" smtClean="0"/>
+              <a:t>Instruktoren </a:t>
+            </a:r>
+            <a:r>
+              <a:rPr lang="da-DK" sz="1600" dirty="0"/>
+              <a:t>går, når der ikke er flere, der </a:t>
+            </a:r>
+            <a:r>
+              <a:rPr lang="da-DK" sz="1600" dirty="0" smtClean="0"/>
+              <a:t>ønsker hjælp</a:t>
+            </a:r>
             <a:endParaRPr lang="da-DK" altLang="da-DK" sz="1600" dirty="0"/>
           </a:p>
           <a:p>

--- a/web/g22/status/Status2.pptx
+++ b/web/g22/status/Status2.pptx
@@ -5380,21 +5380,8 @@
                   <a:srgbClr val="A50021"/>
                 </a:solidFill>
               </a:rPr>
-              <a:t>I Quiz 1 var jeres gennemsnitlige vurdering af pensummets sværhedsgrad </a:t>
-            </a:r>
-            <a:r>
-              <a:rPr lang="da-DK" altLang="da-DK" sz="1800" b="1" spc="-80" dirty="0" smtClean="0">
-                <a:solidFill>
-                  <a:srgbClr val="A50021"/>
-                </a:solidFill>
-              </a:rPr>
-              <a:t>3,08</a:t>
-            </a:r>
-            <a:endParaRPr lang="da-DK" altLang="da-DK" sz="1800" b="1" spc="-80" dirty="0" smtClean="0">
-              <a:solidFill>
-                <a:srgbClr val="A50021"/>
-              </a:solidFill>
-            </a:endParaRPr>
+              <a:t>I Quiz 1 var jeres gennemsnitlige vurdering af pensummets sværhedsgrad 3,08</a:t>
+            </a:r>
           </a:p>
           <a:p>
             <a:pPr marL="742950" lvl="1" indent="-285750">
@@ -5416,11 +5403,7 @@
             </a:r>
             <a:r>
               <a:rPr lang="da-DK" altLang="da-DK" sz="1600" dirty="0" smtClean="0"/>
-              <a:t>(en anelse over) middel </a:t>
-            </a:r>
-            <a:r>
-              <a:rPr lang="da-DK" altLang="da-DK" sz="1600" dirty="0" smtClean="0"/>
-              <a:t>– hvilket må siges at være særdeles passende</a:t>
+              <a:t>(en anelse over) middel – hvilket må siges at være særdeles passende</a:t>
             </a:r>
             <a:endParaRPr lang="da-DK" altLang="da-DK" sz="1600" dirty="0"/>
           </a:p>
@@ -5451,26 +5434,8 @@
             </a:pPr>
             <a:r>
               <a:rPr lang="da-DK" altLang="da-DK" sz="1600" dirty="0" smtClean="0"/>
-              <a:t>Alle blev godkendt i første forsøg (ingen genafleveringer</a:t>
-            </a:r>
-            <a:r>
-              <a:rPr lang="da-DK" altLang="da-DK" sz="1600" dirty="0" smtClean="0"/>
-              <a:t>)</a:t>
-            </a:r>
-          </a:p>
-          <a:p>
-            <a:pPr marL="742950" lvl="1" indent="-285750">
-              <a:spcBef>
-                <a:spcPts val="600"/>
-              </a:spcBef>
-              <a:buFontTx/>
-              <a:buChar char="–"/>
-            </a:pPr>
-            <a:r>
-              <a:rPr lang="da-DK" altLang="da-DK" sz="1600" dirty="0" smtClean="0"/>
-              <a:t>Der er dog en enkelt, der mangler at aflevere</a:t>
-            </a:r>
-            <a:endParaRPr lang="da-DK" altLang="da-DK" sz="1600" dirty="0" smtClean="0"/>
+              <a:t>Alle blev godkendt i første forsøg (ingen genafleveringer)</a:t>
+            </a:r>
           </a:p>
           <a:p>
             <a:pPr marL="271463" lvl="1" indent="-271463">
@@ -5481,7 +5446,7 @@
               <a:buChar char="•"/>
             </a:pPr>
             <a:r>
-              <a:rPr lang="da-DK" altLang="da-DK" sz="1800" b="1" spc="-40" dirty="0" smtClean="0">
+              <a:rPr lang="da-DK" altLang="da-DK" sz="1800" b="1" spc="-40" smtClean="0">
                 <a:solidFill>
                   <a:srgbClr val="A50021"/>
                 </a:solidFill>
@@ -5533,11 +5498,7 @@
             </a:pPr>
             <a:r>
               <a:rPr lang="da-DK" altLang="da-DK" sz="1600" dirty="0" smtClean="0"/>
-              <a:t>I </a:t>
-            </a:r>
-            <a:r>
-              <a:rPr lang="da-DK" altLang="da-DK" sz="1600" dirty="0" smtClean="0"/>
-              <a:t>havde dog lidt svært ved spørgsmål 9, 11, 15 og 16 (hvilket er helt normalt)</a:t>
+              <a:t>I havde dog lidt svært ved spørgsmål 9, 11, 15 og 16 (hvilket er helt normalt)</a:t>
             </a:r>
           </a:p>
           <a:p>
@@ -6107,11 +6068,7 @@
             </a:pPr>
             <a:r>
               <a:rPr lang="da-DK" altLang="da-DK" sz="1600" dirty="0" smtClean="0"/>
-              <a:t>Under forelæsningen </a:t>
-            </a:r>
-            <a:r>
-              <a:rPr lang="da-DK" altLang="da-DK" sz="1600" dirty="0" smtClean="0"/>
-              <a:t>læser jeg </a:t>
+              <a:t>Under forelæsningen læser jeg </a:t>
             </a:r>
             <a:r>
               <a:rPr lang="da-DK" altLang="da-DK" sz="1600" b="1" dirty="0" smtClean="0">
@@ -6123,15 +6080,7 @@
             </a:r>
             <a:r>
               <a:rPr lang="da-DK" altLang="da-DK" sz="1600" dirty="0" smtClean="0"/>
-              <a:t> </a:t>
-            </a:r>
-            <a:r>
-              <a:rPr lang="da-DK" altLang="da-DK" sz="1600" dirty="0" smtClean="0"/>
-              <a:t>eventuelle </a:t>
-            </a:r>
-            <a:r>
-              <a:rPr lang="da-DK" altLang="da-DK" sz="1600" dirty="0" smtClean="0"/>
-              <a:t>indlæg på chatten i Zoom (men I må meget gerne kommunikere med hinanden på den)</a:t>
+              <a:t> eventuelle indlæg på chatten i Zoom (men I må meget gerne kommunikere med hinanden på den)</a:t>
             </a:r>
           </a:p>
           <a:p>
@@ -7000,11 +6949,7 @@
             </a:pPr>
             <a:r>
               <a:rPr lang="da-DK" altLang="da-DK" sz="1600" dirty="0" smtClean="0"/>
-              <a:t>I </a:t>
-            </a:r>
-            <a:r>
-              <a:rPr lang="da-DK" altLang="da-DK" sz="1600" dirty="0" smtClean="0"/>
-              <a:t>kan dele den ene af jeres computerskærme (eller eventuelt dem begge) – på den måde kan I arbejde på et fælles </a:t>
+              <a:t>I kan dele den ene af jeres computerskærme (eller eventuelt dem begge) – på den måde kan I arbejde på et fælles </a:t>
             </a:r>
             <a:r>
               <a:rPr lang="da-DK" altLang="da-DK" sz="1600" dirty="0"/>
@@ -7828,15 +7773,7 @@
             </a:pPr>
             <a:r>
               <a:rPr lang="da-DK" altLang="da-DK" sz="1600" dirty="0" smtClean="0"/>
-              <a:t>Derfor bør den kode der afleveres i </a:t>
-            </a:r>
-            <a:r>
-              <a:rPr lang="da-DK" altLang="da-DK" sz="1600" dirty="0" smtClean="0"/>
-              <a:t>Brightspace </a:t>
-            </a:r>
-            <a:r>
-              <a:rPr lang="da-DK" altLang="da-DK" sz="1600" dirty="0" smtClean="0"/>
-              <a:t>svare til koden i jeres sidste kørsel på testserveren</a:t>
+              <a:t>Derfor bør den kode der afleveres i Brightspace svare til koden i jeres sidste kørsel på testserveren</a:t>
             </a:r>
           </a:p>
           <a:p>

--- a/web/g22/status/Status2.pptx
+++ b/web/g22/status/Status2.pptx
@@ -4904,6 +4904,21 @@
             <a:r>
               <a:rPr lang="da-DK" sz="1600" dirty="0" smtClean="0"/>
               <a:t>)</a:t>
+            </a:r>
+          </a:p>
+          <a:p>
+            <a:pPr marL="742950" lvl="1" indent="-285750">
+              <a:spcBef>
+                <a:spcPts val="600"/>
+              </a:spcBef>
+            </a:pPr>
+            <a:r>
+              <a:rPr lang="da-DK" sz="1600" dirty="0" smtClean="0"/>
+              <a:t>Ved seminar 5 skal man dog deltage fysisk af hensyn </a:t>
+            </a:r>
+            <a:r>
+              <a:rPr lang="da-DK" sz="1600" smtClean="0"/>
+              <a:t>til køreprøven</a:t>
             </a:r>
             <a:endParaRPr lang="da-DK" sz="1600" dirty="0"/>
           </a:p>

--- a/web/g22/status/Status2.pptx
+++ b/web/g22/status/Status2.pptx
@@ -4849,7 +4849,11 @@
             </a:pPr>
             <a:r>
               <a:rPr lang="da-DK" sz="1600" dirty="0" smtClean="0"/>
-              <a:t>15.00 Øvelser omkring afleveringsopgaven Skildpadde 1</a:t>
+              <a:t>15.30 </a:t>
+            </a:r>
+            <a:r>
+              <a:rPr lang="da-DK" sz="1600" dirty="0" smtClean="0"/>
+              <a:t>Øvelser omkring afleveringsopgaven Skildpadde 1</a:t>
             </a:r>
           </a:p>
           <a:p>
@@ -4914,11 +4918,7 @@
             </a:pPr>
             <a:r>
               <a:rPr lang="da-DK" sz="1600" dirty="0" smtClean="0"/>
-              <a:t>Ved seminar 5 skal man dog deltage fysisk af hensyn </a:t>
-            </a:r>
-            <a:r>
-              <a:rPr lang="da-DK" sz="1600" smtClean="0"/>
-              <a:t>til køreprøven</a:t>
+              <a:t>Ved seminar 5 skal man dog deltage fysisk af hensyn til køreprøven</a:t>
             </a:r>
             <a:endParaRPr lang="da-DK" sz="1600" dirty="0"/>
           </a:p>
